--- a/images+videos/Final Year Project Power Point.pptx
+++ b/images+videos/Final Year Project Power Point.pptx
@@ -7,6 +7,15 @@
   <p:sldIdLst>
     <p:sldId id="256" r:id="rId2"/>
     <p:sldId id="257" r:id="rId3"/>
+    <p:sldId id="258" r:id="rId4"/>
+    <p:sldId id="259" r:id="rId5"/>
+    <p:sldId id="260" r:id="rId6"/>
+    <p:sldId id="265" r:id="rId7"/>
+    <p:sldId id="261" r:id="rId8"/>
+    <p:sldId id="262" r:id="rId9"/>
+    <p:sldId id="263" r:id="rId10"/>
+    <p:sldId id="266" r:id="rId11"/>
+    <p:sldId id="264" r:id="rId12"/>
   </p:sldIdLst>
   <p:sldSz cx="12192000" cy="6858000"/>
   <p:notesSz cx="6858000" cy="9144000"/>
@@ -117,6 +126,7 @@
 <p1510:revInfo xmlns:a="http://schemas.openxmlformats.org/drawingml/2006/main" xmlns:r="http://schemas.openxmlformats.org/officeDocument/2006/relationships" xmlns:p1510="http://schemas.microsoft.com/office/powerpoint/2015/10/main">
   <p1510:revLst>
     <p1510:client id="{BF499518-B11D-17DB-D869-166E92D7D6A0}" v="34" dt="2024-03-12T09:46:34.591"/>
+    <p1510:client id="{D0E39452-82C2-4594-F2D9-F027E49492B1}" v="151" dt="2024-03-12T22:28:01.045"/>
   </p1510:revLst>
 </p1510:revInfo>
 </file>
@@ -5286,15 +5296,32 @@
           <a:lstStyle/>
           <a:p>
             <a:r>
-              <a:rPr lang="en-US" sz="4800">
+              <a:rPr lang="en-US" sz="4800" dirty="0">
                 <a:solidFill>
                   <a:schemeClr val="bg1"/>
                 </a:solidFill>
                 <a:cs typeface="Calibri Light"/>
               </a:rPr>
-              <a:t>Computer Science Project</a:t>
+              <a:t>Computer Science</a:t>
             </a:r>
-            <a:endParaRPr lang="en-US" sz="4800">
+            <a:br>
+              <a:rPr lang="en-US" sz="4800" dirty="0">
+                <a:solidFill>
+                  <a:schemeClr val="bg1"/>
+                </a:solidFill>
+                <a:cs typeface="Calibri Light"/>
+              </a:rPr>
+            </a:br>
+            <a:r>
+              <a:rPr lang="en-US" sz="4800" dirty="0">
+                <a:solidFill>
+                  <a:schemeClr val="bg1"/>
+                </a:solidFill>
+                <a:cs typeface="Calibri Light"/>
+              </a:rPr>
+              <a:t>Coursework Project</a:t>
+            </a:r>
+            <a:endParaRPr lang="en-US" sz="4800" dirty="0">
               <a:solidFill>
                 <a:schemeClr val="bg1"/>
               </a:solidFill>
@@ -5539,7 +5566,3199 @@
 </p:sld>
 </file>
 
+<file path=ppt/slides/slide10.xml><?xml version="1.0" encoding="utf-8"?>
+<p:sld xmlns:a="http://schemas.openxmlformats.org/drawingml/2006/main" xmlns:r="http://schemas.openxmlformats.org/officeDocument/2006/relationships" xmlns:p="http://schemas.openxmlformats.org/presentationml/2006/main">
+  <p:cSld>
+    <p:bg>
+      <p:bgPr>
+        <a:solidFill>
+          <a:schemeClr val="bg1"/>
+        </a:solidFill>
+        <a:effectLst/>
+      </p:bgPr>
+    </p:bg>
+    <p:spTree>
+      <p:nvGrpSpPr>
+        <p:cNvPr id="1" name=""/>
+        <p:cNvGrpSpPr/>
+        <p:nvPr/>
+      </p:nvGrpSpPr>
+      <p:grpSpPr>
+        <a:xfrm>
+          <a:off x="0" y="0"/>
+          <a:ext cx="0" cy="0"/>
+          <a:chOff x="0" y="0"/>
+          <a:chExt cx="0" cy="0"/>
+        </a:xfrm>
+      </p:grpSpPr>
+      <p:sp>
+        <p:nvSpPr>
+          <p:cNvPr id="9" name="Rectangle 8">
+            <a:extLst>
+              <a:ext uri="{FF2B5EF4-FFF2-40B4-BE49-F238E27FC236}">
+                <a16:creationId xmlns:a16="http://schemas.microsoft.com/office/drawing/2014/main" id="{8D06CE56-3881-4ADA-8CEF-D18B02C242A3}"/>
+              </a:ext>
+              <a:ext uri="{C183D7F6-B498-43B3-948B-1728B52AA6E4}">
+                <adec:decorative xmlns:adec="http://schemas.microsoft.com/office/drawing/2017/decorative" val="1"/>
+              </a:ext>
+            </a:extLst>
+          </p:cNvPr>
+          <p:cNvSpPr>
+            <a:spLocks noGrp="1" noRot="1" noChangeAspect="1" noMove="1" noResize="1" noEditPoints="1" noAdjustHandles="1" noChangeArrowheads="1" noChangeShapeType="1" noTextEdit="1"/>
+          </p:cNvSpPr>
+          <p:nvPr>
+            <p:extLst>
+              <p:ext uri="{386F3935-93C4-4BCD-93E2-E3B085C9AB24}">
+                <p16:designElem xmlns:p16="http://schemas.microsoft.com/office/powerpoint/2015/main" val="1"/>
+              </p:ext>
+            </p:extLst>
+          </p:nvPr>
+        </p:nvSpPr>
+        <p:spPr>
+          <a:xfrm rot="5400000">
+            <a:off x="857544" y="346791"/>
+            <a:ext cx="146304" cy="704088"/>
+          </a:xfrm>
+          <a:prstGeom prst="rect">
+            <a:avLst/>
+          </a:prstGeom>
+          <a:solidFill>
+            <a:schemeClr val="accent1"/>
+          </a:solidFill>
+          <a:ln>
+            <a:noFill/>
+          </a:ln>
+        </p:spPr>
+        <p:style>
+          <a:lnRef idx="2">
+            <a:schemeClr val="accent1">
+              <a:shade val="50000"/>
+            </a:schemeClr>
+          </a:lnRef>
+          <a:fillRef idx="1">
+            <a:schemeClr val="accent1"/>
+          </a:fillRef>
+          <a:effectRef idx="0">
+            <a:schemeClr val="accent1"/>
+          </a:effectRef>
+          <a:fontRef idx="minor">
+            <a:schemeClr val="lt1"/>
+          </a:fontRef>
+        </p:style>
+        <p:txBody>
+          <a:bodyPr rtlCol="0" anchor="ctr"/>
+          <a:lstStyle/>
+          <a:p>
+            <a:pPr marL="0" marR="0" lvl="0" indent="0" algn="ctr" defTabSz="914400" rtl="0" eaLnBrk="1" fontAlgn="auto" latinLnBrk="0" hangingPunct="1">
+              <a:lnSpc>
+                <a:spcPct val="100000"/>
+              </a:lnSpc>
+              <a:spcBef>
+                <a:spcPts val="0"/>
+              </a:spcBef>
+              <a:spcAft>
+                <a:spcPts val="0"/>
+              </a:spcAft>
+              <a:buClrTx/>
+              <a:buSzTx/>
+              <a:buFontTx/>
+              <a:buNone/>
+              <a:tabLst/>
+              <a:defRPr/>
+            </a:pPr>
+            <a:endParaRPr kumimoji="0" lang="en-US" sz="1800" b="0" i="0" u="none" strike="noStrike" kern="1200" cap="none" spc="0" normalizeH="0" baseline="0" noProof="0">
+              <a:ln>
+                <a:noFill/>
+              </a:ln>
+              <a:solidFill>
+                <a:prstClr val="white"/>
+              </a:solidFill>
+              <a:effectLst/>
+              <a:uLnTx/>
+              <a:uFillTx/>
+              <a:latin typeface="Calibri" panose="020F0502020204030204"/>
+              <a:ea typeface="+mn-ea"/>
+              <a:cs typeface="+mn-cs"/>
+            </a:endParaRPr>
+          </a:p>
+        </p:txBody>
+      </p:sp>
+      <p:sp>
+        <p:nvSpPr>
+          <p:cNvPr id="11" name="Rectangle 10">
+            <a:extLst>
+              <a:ext uri="{FF2B5EF4-FFF2-40B4-BE49-F238E27FC236}">
+                <a16:creationId xmlns:a16="http://schemas.microsoft.com/office/drawing/2014/main" id="{79F3C543-62EC-4433-9C93-A2CD8764E9B4}"/>
+              </a:ext>
+              <a:ext uri="{C183D7F6-B498-43B3-948B-1728B52AA6E4}">
+                <adec:decorative xmlns:adec="http://schemas.microsoft.com/office/drawing/2017/decorative" val="1"/>
+              </a:ext>
+            </a:extLst>
+          </p:cNvPr>
+          <p:cNvSpPr>
+            <a:spLocks noGrp="1" noRot="1" noChangeAspect="1" noMove="1" noResize="1" noEditPoints="1" noAdjustHandles="1" noChangeArrowheads="1" noChangeShapeType="1" noTextEdit="1"/>
+          </p:cNvSpPr>
+          <p:nvPr>
+            <p:extLst>
+              <p:ext uri="{386F3935-93C4-4BCD-93E2-E3B085C9AB24}">
+                <p16:designElem xmlns:p16="http://schemas.microsoft.com/office/powerpoint/2015/main" val="1"/>
+              </p:ext>
+            </p:extLst>
+          </p:nvPr>
+        </p:nvSpPr>
+        <p:spPr>
+          <a:xfrm flipV="1">
+            <a:off x="578652" y="4501201"/>
+            <a:ext cx="11034696" cy="18288"/>
+          </a:xfrm>
+          <a:prstGeom prst="rect">
+            <a:avLst/>
+          </a:prstGeom>
+          <a:solidFill>
+            <a:schemeClr val="tx2">
+              <a:lumMod val="25000"/>
+              <a:lumOff val="75000"/>
+            </a:schemeClr>
+          </a:solidFill>
+          <a:ln w="3175">
+            <a:noFill/>
+          </a:ln>
+          <a:effectLst/>
+        </p:spPr>
+        <p:style>
+          <a:lnRef idx="2">
+            <a:schemeClr val="accent1">
+              <a:shade val="50000"/>
+            </a:schemeClr>
+          </a:lnRef>
+          <a:fillRef idx="1">
+            <a:schemeClr val="accent1"/>
+          </a:fillRef>
+          <a:effectRef idx="0">
+            <a:schemeClr val="accent1"/>
+          </a:effectRef>
+          <a:fontRef idx="minor">
+            <a:schemeClr val="lt1"/>
+          </a:fontRef>
+        </p:style>
+        <p:txBody>
+          <a:bodyPr rtlCol="0" anchor="ctr"/>
+          <a:lstStyle/>
+          <a:p>
+            <a:pPr marL="0" marR="0" lvl="0" indent="0" algn="ctr" defTabSz="914400" rtl="0" eaLnBrk="1" fontAlgn="auto" latinLnBrk="0" hangingPunct="1">
+              <a:lnSpc>
+                <a:spcPct val="100000"/>
+              </a:lnSpc>
+              <a:spcBef>
+                <a:spcPts val="0"/>
+              </a:spcBef>
+              <a:spcAft>
+                <a:spcPts val="0"/>
+              </a:spcAft>
+              <a:buClrTx/>
+              <a:buSzTx/>
+              <a:buFontTx/>
+              <a:buNone/>
+              <a:tabLst/>
+              <a:defRPr/>
+            </a:pPr>
+            <a:endParaRPr kumimoji="0" lang="en-US" sz="1800" b="0" i="0" u="none" strike="noStrike" kern="1200" cap="none" spc="0" normalizeH="0" baseline="0" noProof="0">
+              <a:ln>
+                <a:noFill/>
+              </a:ln>
+              <a:solidFill>
+                <a:prstClr val="white"/>
+              </a:solidFill>
+              <a:effectLst/>
+              <a:uLnTx/>
+              <a:uFillTx/>
+              <a:latin typeface="Calibri" panose="020F0502020204030204"/>
+              <a:ea typeface="+mn-ea"/>
+              <a:cs typeface="+mn-cs"/>
+            </a:endParaRPr>
+          </a:p>
+        </p:txBody>
+      </p:sp>
+      <p:sp useBgFill="1">
+        <p:nvSpPr>
+          <p:cNvPr id="13" name="Rectangle 12">
+            <a:extLst>
+              <a:ext uri="{FF2B5EF4-FFF2-40B4-BE49-F238E27FC236}">
+                <a16:creationId xmlns:a16="http://schemas.microsoft.com/office/drawing/2014/main" id="{C1A1C5D3-C053-4EE9-BE1A-419B6E27CCAE}"/>
+              </a:ext>
+              <a:ext uri="{C183D7F6-B498-43B3-948B-1728B52AA6E4}">
+                <adec:decorative xmlns:adec="http://schemas.microsoft.com/office/drawing/2017/decorative" val="1"/>
+              </a:ext>
+            </a:extLst>
+          </p:cNvPr>
+          <p:cNvSpPr>
+            <a:spLocks noGrp="1" noRot="1" noChangeAspect="1" noMove="1" noResize="1" noEditPoints="1" noAdjustHandles="1" noChangeArrowheads="1" noChangeShapeType="1" noTextEdit="1"/>
+          </p:cNvSpPr>
+          <p:nvPr>
+            <p:extLst>
+              <p:ext uri="{386F3935-93C4-4BCD-93E2-E3B085C9AB24}">
+                <p16:designElem xmlns:p16="http://schemas.microsoft.com/office/powerpoint/2015/main" val="1"/>
+              </p:ext>
+            </p:extLst>
+          </p:nvPr>
+        </p:nvSpPr>
+        <p:spPr>
+          <a:xfrm>
+            <a:off x="0" y="0"/>
+            <a:ext cx="12192000" cy="6858000"/>
+          </a:xfrm>
+          <a:prstGeom prst="rect">
+            <a:avLst/>
+          </a:prstGeom>
+          <a:ln>
+            <a:noFill/>
+          </a:ln>
+        </p:spPr>
+        <p:style>
+          <a:lnRef idx="2">
+            <a:schemeClr val="accent1">
+              <a:shade val="50000"/>
+            </a:schemeClr>
+          </a:lnRef>
+          <a:fillRef idx="1">
+            <a:schemeClr val="accent1"/>
+          </a:fillRef>
+          <a:effectRef idx="0">
+            <a:schemeClr val="accent1"/>
+          </a:effectRef>
+          <a:fontRef idx="minor">
+            <a:schemeClr val="lt1"/>
+          </a:fontRef>
+        </p:style>
+        <p:txBody>
+          <a:bodyPr rtlCol="0" anchor="ctr"/>
+          <a:lstStyle/>
+          <a:p>
+            <a:pPr algn="ctr"/>
+            <a:endParaRPr lang="en-US"/>
+          </a:p>
+        </p:txBody>
+      </p:sp>
+      <p:sp useBgFill="1">
+        <p:nvSpPr>
+          <p:cNvPr id="15" name="Rectangle 14">
+            <a:extLst>
+              <a:ext uri="{FF2B5EF4-FFF2-40B4-BE49-F238E27FC236}">
+                <a16:creationId xmlns:a16="http://schemas.microsoft.com/office/drawing/2014/main" id="{A3473CF9-37EB-43E7-89EF-D2D1C53D1DAC}"/>
+              </a:ext>
+              <a:ext uri="{C183D7F6-B498-43B3-948B-1728B52AA6E4}">
+                <adec:decorative xmlns:adec="http://schemas.microsoft.com/office/drawing/2017/decorative" val="1"/>
+              </a:ext>
+            </a:extLst>
+          </p:cNvPr>
+          <p:cNvSpPr>
+            <a:spLocks noGrp="1" noRot="1" noChangeAspect="1" noMove="1" noResize="1" noEditPoints="1" noAdjustHandles="1" noChangeArrowheads="1" noChangeShapeType="1" noTextEdit="1"/>
+          </p:cNvSpPr>
+          <p:nvPr>
+            <p:extLst>
+              <p:ext uri="{386F3935-93C4-4BCD-93E2-E3B085C9AB24}">
+                <p16:designElem xmlns:p16="http://schemas.microsoft.com/office/powerpoint/2015/main" val="1"/>
+              </p:ext>
+            </p:extLst>
+          </p:nvPr>
+        </p:nvSpPr>
+        <p:spPr>
+          <a:xfrm>
+            <a:off x="1903615" y="221673"/>
+            <a:ext cx="8384770" cy="1332634"/>
+          </a:xfrm>
+          <a:prstGeom prst="rect">
+            <a:avLst/>
+          </a:prstGeom>
+          <a:ln w="12700">
+            <a:solidFill>
+              <a:schemeClr val="tx2">
+                <a:lumMod val="10000"/>
+                <a:lumOff val="90000"/>
+              </a:schemeClr>
+            </a:solidFill>
+          </a:ln>
+          <a:effectLst>
+            <a:outerShdw blurRad="50800" dist="38100" dir="2700000" algn="tl" rotWithShape="0">
+              <a:schemeClr val="bg2">
+                <a:lumMod val="85000"/>
+                <a:alpha val="30000"/>
+              </a:schemeClr>
+            </a:outerShdw>
+          </a:effectLst>
+        </p:spPr>
+        <p:style>
+          <a:lnRef idx="2">
+            <a:schemeClr val="accent1">
+              <a:shade val="50000"/>
+            </a:schemeClr>
+          </a:lnRef>
+          <a:fillRef idx="1">
+            <a:schemeClr val="accent1"/>
+          </a:fillRef>
+          <a:effectRef idx="0">
+            <a:schemeClr val="accent1"/>
+          </a:effectRef>
+          <a:fontRef idx="minor">
+            <a:schemeClr val="lt1"/>
+          </a:fontRef>
+        </p:style>
+        <p:txBody>
+          <a:bodyPr rtlCol="0" anchor="ctr"/>
+          <a:lstStyle/>
+          <a:p>
+            <a:pPr marL="0" marR="0" lvl="0" indent="0" algn="ctr" defTabSz="914400" rtl="0" eaLnBrk="1" fontAlgn="auto" latinLnBrk="0" hangingPunct="1">
+              <a:lnSpc>
+                <a:spcPct val="100000"/>
+              </a:lnSpc>
+              <a:spcBef>
+                <a:spcPts val="0"/>
+              </a:spcBef>
+              <a:spcAft>
+                <a:spcPts val="0"/>
+              </a:spcAft>
+              <a:buClrTx/>
+              <a:buSzTx/>
+              <a:buFontTx/>
+              <a:buNone/>
+              <a:tabLst/>
+              <a:defRPr/>
+            </a:pPr>
+            <a:endParaRPr kumimoji="0" lang="en-US" sz="1800" b="0" i="0" u="none" strike="noStrike" kern="1200" cap="none" spc="0" normalizeH="0" baseline="0" noProof="0">
+              <a:ln>
+                <a:noFill/>
+              </a:ln>
+              <a:solidFill>
+                <a:prstClr val="white"/>
+              </a:solidFill>
+              <a:effectLst/>
+              <a:uLnTx/>
+              <a:uFillTx/>
+              <a:latin typeface="Calibri" panose="020F0502020204030204"/>
+              <a:ea typeface="+mn-ea"/>
+              <a:cs typeface="+mn-cs"/>
+            </a:endParaRPr>
+          </a:p>
+        </p:txBody>
+      </p:sp>
+      <p:sp>
+        <p:nvSpPr>
+          <p:cNvPr id="2" name="Title 1">
+            <a:extLst>
+              <a:ext uri="{FF2B5EF4-FFF2-40B4-BE49-F238E27FC236}">
+                <a16:creationId xmlns:a16="http://schemas.microsoft.com/office/drawing/2014/main" id="{324BAA89-E221-E4BA-B054-1E60C588977B}"/>
+              </a:ext>
+            </a:extLst>
+          </p:cNvPr>
+          <p:cNvSpPr>
+            <a:spLocks noGrp="1"/>
+          </p:cNvSpPr>
+          <p:nvPr>
+            <p:ph type="title"/>
+          </p:nvPr>
+        </p:nvSpPr>
+        <p:spPr>
+          <a:xfrm>
+            <a:off x="2103121" y="310343"/>
+            <a:ext cx="7985759" cy="868823"/>
+          </a:xfrm>
+        </p:spPr>
+        <p:txBody>
+          <a:bodyPr vert="horz" lIns="91440" tIns="45720" rIns="91440" bIns="45720" rtlCol="0" anchor="ctr">
+            <a:normAutofit/>
+          </a:bodyPr>
+          <a:lstStyle/>
+          <a:p>
+            <a:pPr algn="ctr"/>
+            <a:r>
+              <a:rPr lang="en-US"/>
+              <a:t>Advanced Requirement 3:</a:t>
+            </a:r>
+          </a:p>
+        </p:txBody>
+      </p:sp>
+      <p:sp>
+        <p:nvSpPr>
+          <p:cNvPr id="17" name="Rectangle: Rounded Corners 16">
+            <a:extLst>
+              <a:ext uri="{FF2B5EF4-FFF2-40B4-BE49-F238E27FC236}">
+                <a16:creationId xmlns:a16="http://schemas.microsoft.com/office/drawing/2014/main" id="{586B4EF9-43BA-4655-A6FF-1D8E21574C95}"/>
+              </a:ext>
+              <a:ext uri="{C183D7F6-B498-43B3-948B-1728B52AA6E4}">
+                <adec:decorative xmlns:adec="http://schemas.microsoft.com/office/drawing/2017/decorative" val="1"/>
+              </a:ext>
+            </a:extLst>
+          </p:cNvPr>
+          <p:cNvSpPr>
+            <a:spLocks noGrp="1" noRot="1" noChangeAspect="1" noMove="1" noResize="1" noEditPoints="1" noAdjustHandles="1" noChangeArrowheads="1" noChangeShapeType="1" noTextEdit="1"/>
+          </p:cNvSpPr>
+          <p:nvPr>
+            <p:extLst>
+              <p:ext uri="{386F3935-93C4-4BCD-93E2-E3B085C9AB24}">
+                <p16:designElem xmlns:p16="http://schemas.microsoft.com/office/powerpoint/2015/main" val="1"/>
+              </p:ext>
+            </p:extLst>
+          </p:nvPr>
+        </p:nvSpPr>
+        <p:spPr>
+          <a:xfrm>
+            <a:off x="2483110" y="1211407"/>
+            <a:ext cx="7225780" cy="685800"/>
+          </a:xfrm>
+          <a:prstGeom prst="roundRect">
+            <a:avLst>
+              <a:gd name="adj" fmla="val 0"/>
+            </a:avLst>
+          </a:prstGeom>
+          <a:solidFill>
+            <a:schemeClr val="accent1"/>
+          </a:solidFill>
+          <a:ln>
+            <a:noFill/>
+          </a:ln>
+        </p:spPr>
+        <p:style>
+          <a:lnRef idx="2">
+            <a:schemeClr val="accent1">
+              <a:shade val="50000"/>
+            </a:schemeClr>
+          </a:lnRef>
+          <a:fillRef idx="1">
+            <a:schemeClr val="accent1"/>
+          </a:fillRef>
+          <a:effectRef idx="0">
+            <a:schemeClr val="accent1"/>
+          </a:effectRef>
+          <a:fontRef idx="minor">
+            <a:schemeClr val="lt1"/>
+          </a:fontRef>
+        </p:style>
+        <p:txBody>
+          <a:bodyPr rtlCol="0" anchor="ctr"/>
+          <a:lstStyle/>
+          <a:p>
+            <a:pPr marL="0" marR="0" lvl="0" indent="0" algn="ctr" defTabSz="914400" rtl="0" eaLnBrk="1" fontAlgn="auto" latinLnBrk="0" hangingPunct="1">
+              <a:lnSpc>
+                <a:spcPct val="100000"/>
+              </a:lnSpc>
+              <a:spcBef>
+                <a:spcPts val="0"/>
+              </a:spcBef>
+              <a:spcAft>
+                <a:spcPts val="0"/>
+              </a:spcAft>
+              <a:buClrTx/>
+              <a:buSzTx/>
+              <a:buFontTx/>
+              <a:buNone/>
+              <a:tabLst/>
+              <a:defRPr/>
+            </a:pPr>
+            <a:endParaRPr kumimoji="0" lang="en-US" sz="1800" b="0" i="0" u="none" strike="noStrike" kern="1200" cap="none" spc="0" normalizeH="0" baseline="0" noProof="0">
+              <a:ln>
+                <a:noFill/>
+              </a:ln>
+              <a:solidFill>
+                <a:prstClr val="white"/>
+              </a:solidFill>
+              <a:effectLst/>
+              <a:uLnTx/>
+              <a:uFillTx/>
+              <a:latin typeface="Avenir Next LT Pro"/>
+              <a:ea typeface="+mn-ea"/>
+              <a:cs typeface="+mn-cs"/>
+            </a:endParaRPr>
+          </a:p>
+        </p:txBody>
+      </p:sp>
+      <p:pic>
+        <p:nvPicPr>
+          <p:cNvPr id="4" name="Content Placeholder 3" descr="A group of green and blue bars&#10;&#10;Description automatically generated">
+            <a:extLst>
+              <a:ext uri="{FF2B5EF4-FFF2-40B4-BE49-F238E27FC236}">
+                <a16:creationId xmlns:a16="http://schemas.microsoft.com/office/drawing/2014/main" id="{69570619-0B9F-2440-AF2E-1258F6020299}"/>
+              </a:ext>
+            </a:extLst>
+          </p:cNvPr>
+          <p:cNvPicPr>
+            <a:picLocks noGrp="1" noChangeAspect="1"/>
+          </p:cNvPicPr>
+          <p:nvPr>
+            <p:ph idx="1"/>
+          </p:nvPr>
+        </p:nvPicPr>
+        <p:blipFill>
+          <a:blip r:embed="rId2"/>
+          <a:stretch>
+            <a:fillRect/>
+          </a:stretch>
+        </p:blipFill>
+        <p:spPr>
+          <a:xfrm>
+            <a:off x="2060028" y="2139484"/>
+            <a:ext cx="8071944" cy="4096512"/>
+          </a:xfrm>
+          <a:prstGeom prst="rect">
+            <a:avLst/>
+          </a:prstGeom>
+        </p:spPr>
+      </p:pic>
+    </p:spTree>
+    <p:extLst>
+      <p:ext uri="{BB962C8B-B14F-4D97-AF65-F5344CB8AC3E}">
+        <p14:creationId xmlns:p14="http://schemas.microsoft.com/office/powerpoint/2010/main" val="1915635379"/>
+      </p:ext>
+    </p:extLst>
+  </p:cSld>
+  <p:clrMapOvr>
+    <a:masterClrMapping/>
+  </p:clrMapOvr>
+</p:sld>
+</file>
+
+<file path=ppt/slides/slide11.xml><?xml version="1.0" encoding="utf-8"?>
+<p:sld xmlns:a="http://schemas.openxmlformats.org/drawingml/2006/main" xmlns:r="http://schemas.openxmlformats.org/officeDocument/2006/relationships" xmlns:p="http://schemas.openxmlformats.org/presentationml/2006/main">
+  <p:cSld>
+    <p:bg>
+      <p:bgPr>
+        <a:solidFill>
+          <a:schemeClr val="bg1"/>
+        </a:solidFill>
+        <a:effectLst/>
+      </p:bgPr>
+    </p:bg>
+    <p:spTree>
+      <p:nvGrpSpPr>
+        <p:cNvPr id="1" name=""/>
+        <p:cNvGrpSpPr/>
+        <p:nvPr/>
+      </p:nvGrpSpPr>
+      <p:grpSpPr>
+        <a:xfrm>
+          <a:off x="0" y="0"/>
+          <a:ext cx="0" cy="0"/>
+          <a:chOff x="0" y="0"/>
+          <a:chExt cx="0" cy="0"/>
+        </a:xfrm>
+      </p:grpSpPr>
+      <p:sp useBgFill="1">
+        <p:nvSpPr>
+          <p:cNvPr id="9" name="Rectangle 8">
+            <a:extLst>
+              <a:ext uri="{FF2B5EF4-FFF2-40B4-BE49-F238E27FC236}">
+                <a16:creationId xmlns:a16="http://schemas.microsoft.com/office/drawing/2014/main" id="{33E93247-6229-44AB-A550-739E971E690B}"/>
+              </a:ext>
+              <a:ext uri="{C183D7F6-B498-43B3-948B-1728B52AA6E4}">
+                <adec:decorative xmlns:adec="http://schemas.microsoft.com/office/drawing/2017/decorative" val="1"/>
+              </a:ext>
+            </a:extLst>
+          </p:cNvPr>
+          <p:cNvSpPr>
+            <a:spLocks noGrp="1" noRot="1" noChangeAspect="1" noMove="1" noResize="1" noEditPoints="1" noAdjustHandles="1" noChangeArrowheads="1" noChangeShapeType="1" noTextEdit="1"/>
+          </p:cNvSpPr>
+          <p:nvPr>
+            <p:extLst>
+              <p:ext uri="{386F3935-93C4-4BCD-93E2-E3B085C9AB24}">
+                <p16:designElem xmlns:p16="http://schemas.microsoft.com/office/powerpoint/2015/main" val="1"/>
+              </p:ext>
+            </p:extLst>
+          </p:nvPr>
+        </p:nvSpPr>
+        <p:spPr>
+          <a:xfrm>
+            <a:off x="0" y="0"/>
+            <a:ext cx="12192000" cy="6858000"/>
+          </a:xfrm>
+          <a:prstGeom prst="rect">
+            <a:avLst/>
+          </a:prstGeom>
+          <a:ln w="12700" cap="flat" cmpd="sng" algn="ctr">
+            <a:noFill/>
+            <a:prstDash val="solid"/>
+            <a:miter lim="800000"/>
+          </a:ln>
+          <a:effectLst/>
+          <a:extLst>
+            <a:ext uri="{91240B29-F687-4F45-9708-019B960494DF}">
+              <a14:hiddenLine xmlns:a14="http://schemas.microsoft.com/office/drawing/2010/main" w="12700" cap="flat" cmpd="sng" algn="ctr">
+                <a:solidFill>
+                  <a:schemeClr val="accent1">
+                    <a:shade val="50000"/>
+                  </a:schemeClr>
+                </a:solidFill>
+                <a:prstDash val="solid"/>
+                <a:miter lim="800000"/>
+              </a14:hiddenLine>
+            </a:ext>
+          </a:extLst>
+        </p:spPr>
+        <p:style>
+          <a:lnRef idx="2">
+            <a:schemeClr val="accent1">
+              <a:shade val="50000"/>
+            </a:schemeClr>
+          </a:lnRef>
+          <a:fillRef idx="1">
+            <a:schemeClr val="accent1"/>
+          </a:fillRef>
+          <a:effectRef idx="0">
+            <a:schemeClr val="accent1"/>
+          </a:effectRef>
+          <a:fontRef idx="minor">
+            <a:schemeClr val="lt1"/>
+          </a:fontRef>
+        </p:style>
+        <p:txBody>
+          <a:bodyPr rtlCol="0" anchor="ctr"/>
+          <a:lstStyle/>
+          <a:p>
+            <a:pPr marL="0" marR="0" lvl="0" indent="0" algn="ctr" defTabSz="914400" rtl="0" eaLnBrk="1" fontAlgn="auto" latinLnBrk="0" hangingPunct="1">
+              <a:lnSpc>
+                <a:spcPct val="100000"/>
+              </a:lnSpc>
+              <a:spcBef>
+                <a:spcPts val="0"/>
+              </a:spcBef>
+              <a:spcAft>
+                <a:spcPts val="0"/>
+              </a:spcAft>
+              <a:buClrTx/>
+              <a:buSzTx/>
+              <a:buFontTx/>
+              <a:buNone/>
+              <a:tabLst/>
+              <a:defRPr/>
+            </a:pPr>
+            <a:endParaRPr kumimoji="0" lang="en-US" sz="1800" b="0" i="0" u="none" strike="noStrike" kern="1200" cap="none" spc="0" normalizeH="0" baseline="0" noProof="0">
+              <a:ln>
+                <a:noFill/>
+              </a:ln>
+              <a:solidFill>
+                <a:prstClr val="white"/>
+              </a:solidFill>
+              <a:effectLst/>
+              <a:uLnTx/>
+              <a:uFillTx/>
+              <a:latin typeface="Avenir Next LT Pro"/>
+              <a:ea typeface="+mn-ea"/>
+              <a:cs typeface="+mn-cs"/>
+            </a:endParaRPr>
+          </a:p>
+        </p:txBody>
+      </p:sp>
+      <p:cxnSp>
+        <p:nvCxnSpPr>
+          <p:cNvPr id="11" name="Straight Connector 10">
+            <a:extLst>
+              <a:ext uri="{FF2B5EF4-FFF2-40B4-BE49-F238E27FC236}">
+                <a16:creationId xmlns:a16="http://schemas.microsoft.com/office/drawing/2014/main" id="{EE2E603F-4A95-4FE8-BB06-211DFD75DBEF}"/>
+              </a:ext>
+              <a:ext uri="{C183D7F6-B498-43B3-948B-1728B52AA6E4}">
+                <adec:decorative xmlns:adec="http://schemas.microsoft.com/office/drawing/2017/decorative" val="1"/>
+              </a:ext>
+            </a:extLst>
+          </p:cNvPr>
+          <p:cNvCxnSpPr>
+            <a:cxnSpLocks noGrp="1" noRot="1" noChangeAspect="1" noMove="1" noResize="1" noEditPoints="1" noAdjustHandles="1" noChangeArrowheads="1" noChangeShapeType="1"/>
+          </p:cNvCxnSpPr>
+          <p:nvPr>
+            <p:extLst>
+              <p:ext uri="{386F3935-93C4-4BCD-93E2-E3B085C9AB24}">
+                <p16:designElem xmlns:p16="http://schemas.microsoft.com/office/powerpoint/2015/main" val="1"/>
+              </p:ext>
+            </p:extLst>
+          </p:nvPr>
+        </p:nvCxnSpPr>
+        <p:spPr>
+          <a:xfrm>
+            <a:off x="800100" y="723900"/>
+            <a:ext cx="1638300" cy="0"/>
+          </a:xfrm>
+          <a:prstGeom prst="line">
+            <a:avLst/>
+          </a:prstGeom>
+          <a:ln w="44450">
+            <a:solidFill>
+              <a:schemeClr val="tx1"/>
+            </a:solidFill>
+          </a:ln>
+        </p:spPr>
+        <p:style>
+          <a:lnRef idx="1">
+            <a:schemeClr val="accent1"/>
+          </a:lnRef>
+          <a:fillRef idx="0">
+            <a:schemeClr val="accent1"/>
+          </a:fillRef>
+          <a:effectRef idx="0">
+            <a:schemeClr val="accent1"/>
+          </a:effectRef>
+          <a:fontRef idx="minor">
+            <a:schemeClr val="tx1"/>
+          </a:fontRef>
+        </p:style>
+      </p:cxnSp>
+      <p:pic>
+        <p:nvPicPr>
+          <p:cNvPr id="4" name="Picture 3" descr="Free stock photo of code, coding, computer">
+            <a:extLst>
+              <a:ext uri="{FF2B5EF4-FFF2-40B4-BE49-F238E27FC236}">
+                <a16:creationId xmlns:a16="http://schemas.microsoft.com/office/drawing/2014/main" id="{A7464C92-8948-05CE-31AE-7D96782AD9ED}"/>
+              </a:ext>
+            </a:extLst>
+          </p:cNvPr>
+          <p:cNvPicPr>
+            <a:picLocks noChangeAspect="1"/>
+          </p:cNvPicPr>
+          <p:nvPr/>
+        </p:nvPicPr>
+        <p:blipFill rotWithShape="1">
+          <a:blip r:embed="rId2"/>
+          <a:srcRect t="3277" b="12454"/>
+          <a:stretch/>
+        </p:blipFill>
+        <p:spPr>
+          <a:xfrm>
+            <a:off x="20" y="10"/>
+            <a:ext cx="12191979" cy="6857990"/>
+          </a:xfrm>
+          <a:prstGeom prst="rect">
+            <a:avLst/>
+          </a:prstGeom>
+        </p:spPr>
+      </p:pic>
+      <p:sp>
+        <p:nvSpPr>
+          <p:cNvPr id="13" name="Rectangle 12">
+            <a:extLst>
+              <a:ext uri="{FF2B5EF4-FFF2-40B4-BE49-F238E27FC236}">
+                <a16:creationId xmlns:a16="http://schemas.microsoft.com/office/drawing/2014/main" id="{8D19661F-4B4C-74C1-7FC3-31FB14D49FEA}"/>
+              </a:ext>
+              <a:ext uri="{C183D7F6-B498-43B3-948B-1728B52AA6E4}">
+                <adec:decorative xmlns:adec="http://schemas.microsoft.com/office/drawing/2017/decorative" val="1"/>
+              </a:ext>
+            </a:extLst>
+          </p:cNvPr>
+          <p:cNvSpPr>
+            <a:spLocks noGrp="1" noRot="1" noChangeAspect="1" noMove="1" noResize="1" noEditPoints="1" noAdjustHandles="1" noChangeArrowheads="1" noChangeShapeType="1" noTextEdit="1"/>
+          </p:cNvSpPr>
+          <p:nvPr>
+            <p:extLst>
+              <p:ext uri="{386F3935-93C4-4BCD-93E2-E3B085C9AB24}">
+                <p16:designElem xmlns:p16="http://schemas.microsoft.com/office/powerpoint/2015/main" val="1"/>
+              </p:ext>
+            </p:extLst>
+          </p:nvPr>
+        </p:nvSpPr>
+        <p:spPr>
+          <a:xfrm rot="5400000">
+            <a:off x="166955" y="-166956"/>
+            <a:ext cx="6858002" cy="7191913"/>
+          </a:xfrm>
+          <a:prstGeom prst="rect">
+            <a:avLst/>
+          </a:prstGeom>
+          <a:gradFill>
+            <a:gsLst>
+              <a:gs pos="0">
+                <a:schemeClr val="bg1">
+                  <a:alpha val="0"/>
+                </a:schemeClr>
+              </a:gs>
+              <a:gs pos="46000">
+                <a:schemeClr val="bg1">
+                  <a:alpha val="55000"/>
+                </a:schemeClr>
+              </a:gs>
+              <a:gs pos="25000">
+                <a:schemeClr val="bg1">
+                  <a:alpha val="38000"/>
+                </a:schemeClr>
+              </a:gs>
+              <a:gs pos="100000">
+                <a:schemeClr val="bg1">
+                  <a:alpha val="60000"/>
+                </a:schemeClr>
+              </a:gs>
+            </a:gsLst>
+            <a:lin ang="5400000" scaled="1"/>
+          </a:gradFill>
+          <a:ln>
+            <a:noFill/>
+          </a:ln>
+        </p:spPr>
+        <p:style>
+          <a:lnRef idx="2">
+            <a:schemeClr val="accent1">
+              <a:shade val="50000"/>
+            </a:schemeClr>
+          </a:lnRef>
+          <a:fillRef idx="1">
+            <a:schemeClr val="accent1"/>
+          </a:fillRef>
+          <a:effectRef idx="0">
+            <a:schemeClr val="accent1"/>
+          </a:effectRef>
+          <a:fontRef idx="minor">
+            <a:schemeClr val="lt1"/>
+          </a:fontRef>
+        </p:style>
+        <p:txBody>
+          <a:bodyPr rtlCol="0" anchor="ctr"/>
+          <a:lstStyle/>
+          <a:p>
+            <a:pPr marL="0" marR="0" lvl="0" indent="0" algn="ctr" defTabSz="914400" rtl="0" eaLnBrk="1" fontAlgn="auto" latinLnBrk="0" hangingPunct="1">
+              <a:lnSpc>
+                <a:spcPct val="100000"/>
+              </a:lnSpc>
+              <a:spcBef>
+                <a:spcPts val="0"/>
+              </a:spcBef>
+              <a:spcAft>
+                <a:spcPts val="0"/>
+              </a:spcAft>
+              <a:buClrTx/>
+              <a:buSzTx/>
+              <a:buFontTx/>
+              <a:buNone/>
+              <a:tabLst/>
+              <a:defRPr/>
+            </a:pPr>
+            <a:endParaRPr kumimoji="0" lang="en-US" sz="1800" b="0" i="0" u="none" strike="noStrike" kern="1200" cap="none" spc="0" normalizeH="0" baseline="0" noProof="0">
+              <a:ln>
+                <a:noFill/>
+              </a:ln>
+              <a:solidFill>
+                <a:prstClr val="white"/>
+              </a:solidFill>
+              <a:effectLst/>
+              <a:uLnTx/>
+              <a:uFillTx/>
+              <a:latin typeface="Avenir Next LT Pro"/>
+              <a:ea typeface="+mn-ea"/>
+              <a:cs typeface="+mn-cs"/>
+            </a:endParaRPr>
+          </a:p>
+        </p:txBody>
+      </p:sp>
+      <p:sp>
+        <p:nvSpPr>
+          <p:cNvPr id="2" name="Title 1">
+            <a:extLst>
+              <a:ext uri="{FF2B5EF4-FFF2-40B4-BE49-F238E27FC236}">
+                <a16:creationId xmlns:a16="http://schemas.microsoft.com/office/drawing/2014/main" id="{D99985CD-CDA0-6B57-B320-9B40001DDB12}"/>
+              </a:ext>
+            </a:extLst>
+          </p:cNvPr>
+          <p:cNvSpPr>
+            <a:spLocks noGrp="1"/>
+          </p:cNvSpPr>
+          <p:nvPr>
+            <p:ph type="ctrTitle"/>
+          </p:nvPr>
+        </p:nvSpPr>
+        <p:spPr>
+          <a:xfrm>
+            <a:off x="475488" y="1124712"/>
+            <a:ext cx="4023360" cy="3200400"/>
+          </a:xfrm>
+        </p:spPr>
+        <p:txBody>
+          <a:bodyPr anchor="b">
+            <a:normAutofit/>
+          </a:bodyPr>
+          <a:lstStyle/>
+          <a:p>
+            <a:r>
+              <a:rPr lang="en-US" sz="4800"/>
+              <a:t>Thanks for Listening</a:t>
+            </a:r>
+          </a:p>
+        </p:txBody>
+      </p:sp>
+      <p:sp>
+        <p:nvSpPr>
+          <p:cNvPr id="3" name="Subtitle 2">
+            <a:extLst>
+              <a:ext uri="{FF2B5EF4-FFF2-40B4-BE49-F238E27FC236}">
+                <a16:creationId xmlns:a16="http://schemas.microsoft.com/office/drawing/2014/main" id="{54DF760C-8221-C8AC-AE3D-71E63FDB9338}"/>
+              </a:ext>
+            </a:extLst>
+          </p:cNvPr>
+          <p:cNvSpPr>
+            <a:spLocks noGrp="1"/>
+          </p:cNvSpPr>
+          <p:nvPr>
+            <p:ph type="subTitle" idx="1"/>
+          </p:nvPr>
+        </p:nvSpPr>
+        <p:spPr>
+          <a:xfrm>
+            <a:off x="475488" y="4873752"/>
+            <a:ext cx="4023360" cy="1207008"/>
+          </a:xfrm>
+        </p:spPr>
+        <p:txBody>
+          <a:bodyPr anchor="t">
+            <a:normAutofit/>
+          </a:bodyPr>
+          <a:lstStyle/>
+          <a:p>
+            <a:endParaRPr lang="en-US" sz="2000"/>
+          </a:p>
+        </p:txBody>
+      </p:sp>
+      <p:sp>
+        <p:nvSpPr>
+          <p:cNvPr id="15" name="Rectangle 14">
+            <a:extLst>
+              <a:ext uri="{FF2B5EF4-FFF2-40B4-BE49-F238E27FC236}">
+                <a16:creationId xmlns:a16="http://schemas.microsoft.com/office/drawing/2014/main" id="{2165A4AE-FFE9-B2D5-017C-17337DDB3F3B}"/>
+              </a:ext>
+              <a:ext uri="{C183D7F6-B498-43B3-948B-1728B52AA6E4}">
+                <adec:decorative xmlns:adec="http://schemas.microsoft.com/office/drawing/2017/decorative" val="1"/>
+              </a:ext>
+            </a:extLst>
+          </p:cNvPr>
+          <p:cNvSpPr>
+            <a:spLocks noGrp="1" noRot="1" noChangeAspect="1" noMove="1" noResize="1" noEditPoints="1" noAdjustHandles="1" noChangeArrowheads="1" noChangeShapeType="1" noTextEdit="1"/>
+          </p:cNvSpPr>
+          <p:nvPr>
+            <p:extLst>
+              <p:ext uri="{386F3935-93C4-4BCD-93E2-E3B085C9AB24}">
+                <p16:designElem xmlns:p16="http://schemas.microsoft.com/office/powerpoint/2015/main" val="1"/>
+              </p:ext>
+            </p:extLst>
+          </p:nvPr>
+        </p:nvSpPr>
+        <p:spPr>
+          <a:xfrm rot="5400000">
+            <a:off x="759921" y="346791"/>
+            <a:ext cx="146304" cy="704088"/>
+          </a:xfrm>
+          <a:prstGeom prst="rect">
+            <a:avLst/>
+          </a:prstGeom>
+          <a:solidFill>
+            <a:schemeClr val="accent1"/>
+          </a:solidFill>
+          <a:ln>
+            <a:noFill/>
+          </a:ln>
+        </p:spPr>
+        <p:style>
+          <a:lnRef idx="2">
+            <a:schemeClr val="accent1">
+              <a:shade val="50000"/>
+            </a:schemeClr>
+          </a:lnRef>
+          <a:fillRef idx="1">
+            <a:schemeClr val="accent1"/>
+          </a:fillRef>
+          <a:effectRef idx="0">
+            <a:schemeClr val="accent1"/>
+          </a:effectRef>
+          <a:fontRef idx="minor">
+            <a:schemeClr val="lt1"/>
+          </a:fontRef>
+        </p:style>
+        <p:txBody>
+          <a:bodyPr rtlCol="0" anchor="ctr"/>
+          <a:lstStyle/>
+          <a:p>
+            <a:pPr marL="0" marR="0" lvl="0" indent="0" algn="ctr" defTabSz="914400" rtl="0" eaLnBrk="1" fontAlgn="auto" latinLnBrk="0" hangingPunct="1">
+              <a:lnSpc>
+                <a:spcPct val="100000"/>
+              </a:lnSpc>
+              <a:spcBef>
+                <a:spcPts val="0"/>
+              </a:spcBef>
+              <a:spcAft>
+                <a:spcPts val="0"/>
+              </a:spcAft>
+              <a:buClrTx/>
+              <a:buSzTx/>
+              <a:buFontTx/>
+              <a:buNone/>
+              <a:tabLst/>
+              <a:defRPr/>
+            </a:pPr>
+            <a:endParaRPr kumimoji="0" lang="en-US" sz="1800" b="0" i="0" u="none" strike="noStrike" kern="1200" cap="none" spc="0" normalizeH="0" baseline="0" noProof="0">
+              <a:ln>
+                <a:noFill/>
+              </a:ln>
+              <a:solidFill>
+                <a:prstClr val="white"/>
+              </a:solidFill>
+              <a:effectLst/>
+              <a:uLnTx/>
+              <a:uFillTx/>
+              <a:latin typeface="Calibri" panose="020F0502020204030204"/>
+              <a:ea typeface="+mn-ea"/>
+              <a:cs typeface="+mn-cs"/>
+            </a:endParaRPr>
+          </a:p>
+        </p:txBody>
+      </p:sp>
+      <p:sp>
+        <p:nvSpPr>
+          <p:cNvPr id="17" name="Rectangle 16">
+            <a:extLst>
+              <a:ext uri="{FF2B5EF4-FFF2-40B4-BE49-F238E27FC236}">
+                <a16:creationId xmlns:a16="http://schemas.microsoft.com/office/drawing/2014/main" id="{90E701D1-A34F-CF86-7316-8761C7835E03}"/>
+              </a:ext>
+              <a:ext uri="{C183D7F6-B498-43B3-948B-1728B52AA6E4}">
+                <adec:decorative xmlns:adec="http://schemas.microsoft.com/office/drawing/2017/decorative" val="1"/>
+              </a:ext>
+            </a:extLst>
+          </p:cNvPr>
+          <p:cNvSpPr>
+            <a:spLocks noGrp="1" noRot="1" noChangeAspect="1" noMove="1" noResize="1" noEditPoints="1" noAdjustHandles="1" noChangeArrowheads="1" noChangeShapeType="1" noTextEdit="1"/>
+          </p:cNvSpPr>
+          <p:nvPr>
+            <p:extLst>
+              <p:ext uri="{386F3935-93C4-4BCD-93E2-E3B085C9AB24}">
+                <p16:designElem xmlns:p16="http://schemas.microsoft.com/office/powerpoint/2015/main" val="1"/>
+              </p:ext>
+            </p:extLst>
+          </p:nvPr>
+        </p:nvSpPr>
+        <p:spPr>
+          <a:xfrm>
+            <a:off x="481029" y="4546920"/>
+            <a:ext cx="3977640" cy="18288"/>
+          </a:xfrm>
+          <a:prstGeom prst="rect">
+            <a:avLst/>
+          </a:prstGeom>
+          <a:solidFill>
+            <a:schemeClr val="tx2">
+              <a:lumMod val="25000"/>
+              <a:lumOff val="75000"/>
+            </a:schemeClr>
+          </a:solidFill>
+          <a:ln w="3175">
+            <a:noFill/>
+          </a:ln>
+          <a:effectLst/>
+        </p:spPr>
+        <p:style>
+          <a:lnRef idx="2">
+            <a:schemeClr val="accent1">
+              <a:shade val="50000"/>
+            </a:schemeClr>
+          </a:lnRef>
+          <a:fillRef idx="1">
+            <a:schemeClr val="accent1"/>
+          </a:fillRef>
+          <a:effectRef idx="0">
+            <a:schemeClr val="accent1"/>
+          </a:effectRef>
+          <a:fontRef idx="minor">
+            <a:schemeClr val="lt1"/>
+          </a:fontRef>
+        </p:style>
+        <p:txBody>
+          <a:bodyPr rtlCol="0" anchor="ctr"/>
+          <a:lstStyle/>
+          <a:p>
+            <a:pPr marL="0" marR="0" lvl="0" indent="0" algn="ctr" defTabSz="914400" rtl="0" eaLnBrk="1" fontAlgn="auto" latinLnBrk="0" hangingPunct="1">
+              <a:lnSpc>
+                <a:spcPct val="100000"/>
+              </a:lnSpc>
+              <a:spcBef>
+                <a:spcPts val="0"/>
+              </a:spcBef>
+              <a:spcAft>
+                <a:spcPts val="0"/>
+              </a:spcAft>
+              <a:buClrTx/>
+              <a:buSzTx/>
+              <a:buFontTx/>
+              <a:buNone/>
+              <a:tabLst/>
+              <a:defRPr/>
+            </a:pPr>
+            <a:endParaRPr kumimoji="0" lang="en-US" sz="1800" b="0" i="0" u="none" strike="noStrike" kern="1200" cap="none" spc="0" normalizeH="0" baseline="0" noProof="0">
+              <a:ln>
+                <a:noFill/>
+              </a:ln>
+              <a:solidFill>
+                <a:prstClr val="white"/>
+              </a:solidFill>
+              <a:effectLst/>
+              <a:uLnTx/>
+              <a:uFillTx/>
+              <a:latin typeface="Calibri" panose="020F0502020204030204"/>
+              <a:ea typeface="+mn-ea"/>
+              <a:cs typeface="+mn-cs"/>
+            </a:endParaRPr>
+          </a:p>
+        </p:txBody>
+      </p:sp>
+    </p:spTree>
+    <p:extLst>
+      <p:ext uri="{BB962C8B-B14F-4D97-AF65-F5344CB8AC3E}">
+        <p14:creationId xmlns:p14="http://schemas.microsoft.com/office/powerpoint/2010/main" val="4177619237"/>
+      </p:ext>
+    </p:extLst>
+  </p:cSld>
+  <p:clrMapOvr>
+    <a:overrideClrMapping bg1="dk1" tx1="lt1" bg2="dk2" tx2="lt2" accent1="accent1" accent2="accent2" accent3="accent3" accent4="accent4" accent5="accent5" accent6="accent6" hlink="hlink" folHlink="folHlink"/>
+  </p:clrMapOvr>
+</p:sld>
+</file>
+
 <file path=ppt/slides/slide2.xml><?xml version="1.0" encoding="utf-8"?>
+<p:sld xmlns:a="http://schemas.openxmlformats.org/drawingml/2006/main" xmlns:r="http://schemas.openxmlformats.org/officeDocument/2006/relationships" xmlns:p="http://schemas.openxmlformats.org/presentationml/2006/main">
+  <p:cSld>
+    <p:bg>
+      <p:bgPr>
+        <a:solidFill>
+          <a:schemeClr val="bg1"/>
+        </a:solidFill>
+        <a:effectLst/>
+      </p:bgPr>
+    </p:bg>
+    <p:spTree>
+      <p:nvGrpSpPr>
+        <p:cNvPr id="1" name=""/>
+        <p:cNvGrpSpPr/>
+        <p:nvPr/>
+      </p:nvGrpSpPr>
+      <p:grpSpPr>
+        <a:xfrm>
+          <a:off x="0" y="0"/>
+          <a:ext cx="0" cy="0"/>
+          <a:chOff x="0" y="0"/>
+          <a:chExt cx="0" cy="0"/>
+        </a:xfrm>
+      </p:grpSpPr>
+      <p:sp useBgFill="1">
+        <p:nvSpPr>
+          <p:cNvPr id="20" name="Rectangle 19">
+            <a:extLst>
+              <a:ext uri="{FF2B5EF4-FFF2-40B4-BE49-F238E27FC236}">
+                <a16:creationId xmlns:a16="http://schemas.microsoft.com/office/drawing/2014/main" id="{21516CB1-E8C8-4751-B6A6-46B2D1E72A61}"/>
+              </a:ext>
+              <a:ext uri="{C183D7F6-B498-43B3-948B-1728B52AA6E4}">
+                <adec:decorative xmlns:adec="http://schemas.microsoft.com/office/drawing/2017/decorative" val="1"/>
+              </a:ext>
+            </a:extLst>
+          </p:cNvPr>
+          <p:cNvSpPr>
+            <a:spLocks noGrp="1" noRot="1" noChangeAspect="1" noMove="1" noResize="1" noEditPoints="1" noAdjustHandles="1" noChangeArrowheads="1" noChangeShapeType="1" noTextEdit="1"/>
+          </p:cNvSpPr>
+          <p:nvPr>
+            <p:extLst>
+              <p:ext uri="{386F3935-93C4-4BCD-93E2-E3B085C9AB24}">
+                <p16:designElem xmlns:p16="http://schemas.microsoft.com/office/powerpoint/2015/main" val="1"/>
+              </p:ext>
+            </p:extLst>
+          </p:nvPr>
+        </p:nvSpPr>
+        <p:spPr>
+          <a:xfrm>
+            <a:off x="0" y="0"/>
+            <a:ext cx="12192000" cy="6858000"/>
+          </a:xfrm>
+          <a:prstGeom prst="rect">
+            <a:avLst/>
+          </a:prstGeom>
+          <a:ln>
+            <a:noFill/>
+          </a:ln>
+        </p:spPr>
+        <p:style>
+          <a:lnRef idx="2">
+            <a:schemeClr val="accent1">
+              <a:shade val="50000"/>
+            </a:schemeClr>
+          </a:lnRef>
+          <a:fillRef idx="1">
+            <a:schemeClr val="accent1"/>
+          </a:fillRef>
+          <a:effectRef idx="0">
+            <a:schemeClr val="accent1"/>
+          </a:effectRef>
+          <a:fontRef idx="minor">
+            <a:schemeClr val="lt1"/>
+          </a:fontRef>
+        </p:style>
+        <p:txBody>
+          <a:bodyPr rtlCol="0" anchor="ctr"/>
+          <a:lstStyle/>
+          <a:p>
+            <a:pPr algn="ctr"/>
+            <a:endParaRPr lang="en-US"/>
+          </a:p>
+        </p:txBody>
+      </p:sp>
+      <p:sp>
+        <p:nvSpPr>
+          <p:cNvPr id="2" name="Title 1">
+            <a:extLst>
+              <a:ext uri="{FF2B5EF4-FFF2-40B4-BE49-F238E27FC236}">
+                <a16:creationId xmlns:a16="http://schemas.microsoft.com/office/drawing/2014/main" id="{90E903BC-07AA-D0D6-CD3D-6183E01F7CCE}"/>
+              </a:ext>
+            </a:extLst>
+          </p:cNvPr>
+          <p:cNvSpPr>
+            <a:spLocks noGrp="1"/>
+          </p:cNvSpPr>
+          <p:nvPr>
+            <p:ph type="title"/>
+          </p:nvPr>
+        </p:nvSpPr>
+        <p:spPr>
+          <a:xfrm>
+            <a:off x="429768" y="411480"/>
+            <a:ext cx="11131298" cy="1106424"/>
+          </a:xfrm>
+        </p:spPr>
+        <p:txBody>
+          <a:bodyPr>
+            <a:normAutofit/>
+          </a:bodyPr>
+          <a:lstStyle/>
+          <a:p>
+            <a:r>
+              <a:rPr lang="en-US" sz="3600"/>
+              <a:t>Basic Requirement 1:</a:t>
+            </a:r>
+          </a:p>
+        </p:txBody>
+      </p:sp>
+      <p:sp>
+        <p:nvSpPr>
+          <p:cNvPr id="21" name="Rectangle 20">
+            <a:extLst>
+              <a:ext uri="{FF2B5EF4-FFF2-40B4-BE49-F238E27FC236}">
+                <a16:creationId xmlns:a16="http://schemas.microsoft.com/office/drawing/2014/main" id="{90C0C0D1-E79A-41FF-8322-256F6DD1499B}"/>
+              </a:ext>
+              <a:ext uri="{C183D7F6-B498-43B3-948B-1728B52AA6E4}">
+                <adec:decorative xmlns:adec="http://schemas.microsoft.com/office/drawing/2017/decorative" val="1"/>
+              </a:ext>
+            </a:extLst>
+          </p:cNvPr>
+          <p:cNvSpPr>
+            <a:spLocks noGrp="1" noRot="1" noChangeAspect="1" noMove="1" noResize="1" noEditPoints="1" noAdjustHandles="1" noChangeArrowheads="1" noChangeShapeType="1" noTextEdit="1"/>
+          </p:cNvSpPr>
+          <p:nvPr>
+            <p:extLst>
+              <p:ext uri="{386F3935-93C4-4BCD-93E2-E3B085C9AB24}">
+                <p16:designElem xmlns:p16="http://schemas.microsoft.com/office/powerpoint/2015/main" val="1"/>
+              </p:ext>
+            </p:extLst>
+          </p:nvPr>
+        </p:nvSpPr>
+        <p:spPr>
+          <a:xfrm>
+            <a:off x="0" y="585216"/>
+            <a:ext cx="128016" cy="704088"/>
+          </a:xfrm>
+          <a:prstGeom prst="rect">
+            <a:avLst/>
+          </a:prstGeom>
+          <a:solidFill>
+            <a:schemeClr val="accent1"/>
+          </a:solidFill>
+          <a:ln>
+            <a:noFill/>
+          </a:ln>
+        </p:spPr>
+        <p:style>
+          <a:lnRef idx="2">
+            <a:schemeClr val="accent1">
+              <a:shade val="50000"/>
+            </a:schemeClr>
+          </a:lnRef>
+          <a:fillRef idx="1">
+            <a:schemeClr val="accent1"/>
+          </a:fillRef>
+          <a:effectRef idx="0">
+            <a:schemeClr val="accent1"/>
+          </a:effectRef>
+          <a:fontRef idx="minor">
+            <a:schemeClr val="lt1"/>
+          </a:fontRef>
+        </p:style>
+        <p:txBody>
+          <a:bodyPr rtlCol="0" anchor="ctr"/>
+          <a:lstStyle/>
+          <a:p>
+            <a:pPr marL="0" marR="0" lvl="0" indent="0" algn="ctr" defTabSz="914400" rtl="0" eaLnBrk="1" fontAlgn="auto" latinLnBrk="0" hangingPunct="1">
+              <a:lnSpc>
+                <a:spcPct val="100000"/>
+              </a:lnSpc>
+              <a:spcBef>
+                <a:spcPts val="0"/>
+              </a:spcBef>
+              <a:spcAft>
+                <a:spcPts val="0"/>
+              </a:spcAft>
+              <a:buClrTx/>
+              <a:buSzTx/>
+              <a:buFontTx/>
+              <a:buNone/>
+              <a:tabLst/>
+              <a:defRPr/>
+            </a:pPr>
+            <a:endParaRPr kumimoji="0" lang="en-US" sz="1800" b="0" i="0" u="none" strike="noStrike" kern="1200" cap="none" spc="0" normalizeH="0" baseline="0" noProof="0">
+              <a:ln>
+                <a:noFill/>
+              </a:ln>
+              <a:solidFill>
+                <a:prstClr val="white"/>
+              </a:solidFill>
+              <a:effectLst/>
+              <a:uLnTx/>
+              <a:uFillTx/>
+              <a:latin typeface="Calibri" panose="020F0502020204030204"/>
+              <a:ea typeface="+mn-ea"/>
+              <a:cs typeface="+mn-cs"/>
+            </a:endParaRPr>
+          </a:p>
+        </p:txBody>
+      </p:sp>
+      <p:pic>
+        <p:nvPicPr>
+          <p:cNvPr id="4" name="Content Placeholder 3">
+            <a:extLst>
+              <a:ext uri="{FF2B5EF4-FFF2-40B4-BE49-F238E27FC236}">
+                <a16:creationId xmlns:a16="http://schemas.microsoft.com/office/drawing/2014/main" id="{555AA932-7A07-8A48-65C0-F411554768EE}"/>
+              </a:ext>
+            </a:extLst>
+          </p:cNvPr>
+          <p:cNvPicPr>
+            <a:picLocks noChangeAspect="1"/>
+          </p:cNvPicPr>
+          <p:nvPr/>
+        </p:nvPicPr>
+        <p:blipFill rotWithShape="1">
+          <a:blip r:embed="rId2"/>
+          <a:srcRect t="861" r="4" b="4"/>
+          <a:stretch/>
+        </p:blipFill>
+        <p:spPr>
+          <a:xfrm>
+            <a:off x="429767" y="1721922"/>
+            <a:ext cx="3419856" cy="4520560"/>
+          </a:xfrm>
+          <a:prstGeom prst="rect">
+            <a:avLst/>
+          </a:prstGeom>
+        </p:spPr>
+      </p:pic>
+      <p:pic>
+        <p:nvPicPr>
+          <p:cNvPr id="5" name="Picture 4" descr="A screenshot of a computer screen&#10;&#10;Description automatically generated">
+            <a:extLst>
+              <a:ext uri="{FF2B5EF4-FFF2-40B4-BE49-F238E27FC236}">
+                <a16:creationId xmlns:a16="http://schemas.microsoft.com/office/drawing/2014/main" id="{2436527B-DE4D-96D9-5625-3358FFD3F0A8}"/>
+              </a:ext>
+            </a:extLst>
+          </p:cNvPr>
+          <p:cNvPicPr>
+            <a:picLocks noChangeAspect="1"/>
+          </p:cNvPicPr>
+          <p:nvPr/>
+        </p:nvPicPr>
+        <p:blipFill rotWithShape="1">
+          <a:blip r:embed="rId3"/>
+          <a:srcRect l="17354" r="38382" b="2"/>
+          <a:stretch/>
+        </p:blipFill>
+        <p:spPr>
+          <a:xfrm>
+            <a:off x="4226837" y="1721922"/>
+            <a:ext cx="3420596" cy="4520560"/>
+          </a:xfrm>
+          <a:prstGeom prst="rect">
+            <a:avLst/>
+          </a:prstGeom>
+        </p:spPr>
+      </p:pic>
+      <p:sp useBgFill="1">
+        <p:nvSpPr>
+          <p:cNvPr id="22" name="Rectangle 21">
+            <a:extLst>
+              <a:ext uri="{FF2B5EF4-FFF2-40B4-BE49-F238E27FC236}">
+                <a16:creationId xmlns:a16="http://schemas.microsoft.com/office/drawing/2014/main" id="{395FA420-5595-49D1-9D5F-79EC43B55574}"/>
+              </a:ext>
+              <a:ext uri="{C183D7F6-B498-43B3-948B-1728B52AA6E4}">
+                <adec:decorative xmlns:adec="http://schemas.microsoft.com/office/drawing/2017/decorative" val="1"/>
+              </a:ext>
+            </a:extLst>
+          </p:cNvPr>
+          <p:cNvSpPr>
+            <a:spLocks noGrp="1" noRot="1" noChangeAspect="1" noMove="1" noResize="1" noEditPoints="1" noAdjustHandles="1" noChangeArrowheads="1" noChangeShapeType="1" noTextEdit="1"/>
+          </p:cNvSpPr>
+          <p:nvPr>
+            <p:extLst>
+              <p:ext uri="{386F3935-93C4-4BCD-93E2-E3B085C9AB24}">
+                <p16:designElem xmlns:p16="http://schemas.microsoft.com/office/powerpoint/2015/main" val="1"/>
+              </p:ext>
+            </p:extLst>
+          </p:nvPr>
+        </p:nvSpPr>
+        <p:spPr>
+          <a:xfrm>
+            <a:off x="8024648" y="1721922"/>
+            <a:ext cx="3609143" cy="4520560"/>
+          </a:xfrm>
+          <a:prstGeom prst="rect">
+            <a:avLst/>
+          </a:prstGeom>
+          <a:ln w="9525">
+            <a:solidFill>
+              <a:schemeClr val="tx2">
+                <a:lumMod val="10000"/>
+                <a:lumOff val="90000"/>
+              </a:schemeClr>
+            </a:solidFill>
+          </a:ln>
+          <a:effectLst>
+            <a:outerShdw blurRad="50800" dist="38100" dir="2700000" algn="tl" rotWithShape="0">
+              <a:schemeClr val="bg1">
+                <a:lumMod val="85000"/>
+                <a:alpha val="30000"/>
+              </a:schemeClr>
+            </a:outerShdw>
+          </a:effectLst>
+        </p:spPr>
+        <p:style>
+          <a:lnRef idx="2">
+            <a:schemeClr val="accent1">
+              <a:shade val="50000"/>
+            </a:schemeClr>
+          </a:lnRef>
+          <a:fillRef idx="1">
+            <a:schemeClr val="accent1"/>
+          </a:fillRef>
+          <a:effectRef idx="0">
+            <a:schemeClr val="accent1"/>
+          </a:effectRef>
+          <a:fontRef idx="minor">
+            <a:schemeClr val="lt1"/>
+          </a:fontRef>
+        </p:style>
+        <p:txBody>
+          <a:bodyPr rtlCol="0" anchor="ctr"/>
+          <a:lstStyle/>
+          <a:p>
+            <a:pPr marL="0" marR="0" lvl="0" indent="0" algn="ctr" defTabSz="914400" rtl="0" eaLnBrk="1" fontAlgn="auto" latinLnBrk="0" hangingPunct="1">
+              <a:lnSpc>
+                <a:spcPct val="100000"/>
+              </a:lnSpc>
+              <a:spcBef>
+                <a:spcPts val="0"/>
+              </a:spcBef>
+              <a:spcAft>
+                <a:spcPts val="0"/>
+              </a:spcAft>
+              <a:buClrTx/>
+              <a:buSzTx/>
+              <a:buFontTx/>
+              <a:buNone/>
+              <a:tabLst/>
+              <a:defRPr/>
+            </a:pPr>
+            <a:endParaRPr kumimoji="0" lang="en-US" sz="1800" b="0" i="0" u="none" strike="noStrike" kern="1200" cap="none" spc="0" normalizeH="0" baseline="0" noProof="0">
+              <a:ln>
+                <a:noFill/>
+              </a:ln>
+              <a:solidFill>
+                <a:prstClr val="white"/>
+              </a:solidFill>
+              <a:effectLst/>
+              <a:uLnTx/>
+              <a:uFillTx/>
+              <a:latin typeface="Calibri" panose="020F0502020204030204"/>
+              <a:ea typeface="+mn-ea"/>
+              <a:cs typeface="+mn-cs"/>
+            </a:endParaRPr>
+          </a:p>
+        </p:txBody>
+      </p:sp>
+      <p:sp>
+        <p:nvSpPr>
+          <p:cNvPr id="9" name="Content Placeholder 8">
+            <a:extLst>
+              <a:ext uri="{FF2B5EF4-FFF2-40B4-BE49-F238E27FC236}">
+                <a16:creationId xmlns:a16="http://schemas.microsoft.com/office/drawing/2014/main" id="{BD282B38-482C-E57C-6061-00FD183003F2}"/>
+              </a:ext>
+            </a:extLst>
+          </p:cNvPr>
+          <p:cNvSpPr>
+            <a:spLocks noGrp="1"/>
+          </p:cNvSpPr>
+          <p:nvPr>
+            <p:ph idx="1"/>
+          </p:nvPr>
+        </p:nvSpPr>
+        <p:spPr>
+          <a:xfrm>
+            <a:off x="8309348" y="2020824"/>
+            <a:ext cx="2956060" cy="3959352"/>
+          </a:xfrm>
+        </p:spPr>
+        <p:txBody>
+          <a:bodyPr anchor="ctr">
+            <a:normAutofit/>
+          </a:bodyPr>
+          <a:lstStyle/>
+          <a:p>
+            <a:endParaRPr lang="en-US" sz="1700"/>
+          </a:p>
+        </p:txBody>
+      </p:sp>
+    </p:spTree>
+    <p:extLst>
+      <p:ext uri="{BB962C8B-B14F-4D97-AF65-F5344CB8AC3E}">
+        <p14:creationId xmlns:p14="http://schemas.microsoft.com/office/powerpoint/2010/main" val="2082247280"/>
+      </p:ext>
+    </p:extLst>
+  </p:cSld>
+  <p:clrMapOvr>
+    <a:masterClrMapping/>
+  </p:clrMapOvr>
+</p:sld>
+</file>
+
+<file path=ppt/slides/slide3.xml><?xml version="1.0" encoding="utf-8"?>
+<p:sld xmlns:a="http://schemas.openxmlformats.org/drawingml/2006/main" xmlns:r="http://schemas.openxmlformats.org/officeDocument/2006/relationships" xmlns:p="http://schemas.openxmlformats.org/presentationml/2006/main">
+  <p:cSld>
+    <p:bg>
+      <p:bgPr>
+        <a:solidFill>
+          <a:schemeClr val="bg1"/>
+        </a:solidFill>
+        <a:effectLst/>
+      </p:bgPr>
+    </p:bg>
+    <p:spTree>
+      <p:nvGrpSpPr>
+        <p:cNvPr id="1" name=""/>
+        <p:cNvGrpSpPr/>
+        <p:nvPr/>
+      </p:nvGrpSpPr>
+      <p:grpSpPr>
+        <a:xfrm>
+          <a:off x="0" y="0"/>
+          <a:ext cx="0" cy="0"/>
+          <a:chOff x="0" y="0"/>
+          <a:chExt cx="0" cy="0"/>
+        </a:xfrm>
+      </p:grpSpPr>
+      <p:sp useBgFill="1">
+        <p:nvSpPr>
+          <p:cNvPr id="26" name="Rectangle 25">
+            <a:extLst>
+              <a:ext uri="{FF2B5EF4-FFF2-40B4-BE49-F238E27FC236}">
+                <a16:creationId xmlns:a16="http://schemas.microsoft.com/office/drawing/2014/main" id="{614141FC-8189-47F8-821A-FC9A4E91E039}"/>
+              </a:ext>
+              <a:ext uri="{C183D7F6-B498-43B3-948B-1728B52AA6E4}">
+                <adec:decorative xmlns:adec="http://schemas.microsoft.com/office/drawing/2017/decorative" val="1"/>
+              </a:ext>
+            </a:extLst>
+          </p:cNvPr>
+          <p:cNvSpPr>
+            <a:spLocks noGrp="1" noRot="1" noChangeAspect="1" noMove="1" noResize="1" noEditPoints="1" noAdjustHandles="1" noChangeArrowheads="1" noChangeShapeType="1" noTextEdit="1"/>
+          </p:cNvSpPr>
+          <p:nvPr>
+            <p:extLst>
+              <p:ext uri="{386F3935-93C4-4BCD-93E2-E3B085C9AB24}">
+                <p16:designElem xmlns:p16="http://schemas.microsoft.com/office/powerpoint/2015/main" val="1"/>
+              </p:ext>
+            </p:extLst>
+          </p:nvPr>
+        </p:nvSpPr>
+        <p:spPr>
+          <a:xfrm>
+            <a:off x="0" y="0"/>
+            <a:ext cx="12192000" cy="6858000"/>
+          </a:xfrm>
+          <a:prstGeom prst="rect">
+            <a:avLst/>
+          </a:prstGeom>
+          <a:ln>
+            <a:noFill/>
+          </a:ln>
+        </p:spPr>
+        <p:style>
+          <a:lnRef idx="2">
+            <a:schemeClr val="accent1">
+              <a:shade val="50000"/>
+            </a:schemeClr>
+          </a:lnRef>
+          <a:fillRef idx="1">
+            <a:schemeClr val="accent1"/>
+          </a:fillRef>
+          <a:effectRef idx="0">
+            <a:schemeClr val="accent1"/>
+          </a:effectRef>
+          <a:fontRef idx="minor">
+            <a:schemeClr val="lt1"/>
+          </a:fontRef>
+        </p:style>
+        <p:txBody>
+          <a:bodyPr rtlCol="0" anchor="ctr"/>
+          <a:lstStyle/>
+          <a:p>
+            <a:pPr algn="ctr"/>
+            <a:endParaRPr lang="en-US"/>
+          </a:p>
+        </p:txBody>
+      </p:sp>
+      <p:sp useBgFill="1">
+        <p:nvSpPr>
+          <p:cNvPr id="28" name="Rectangle 27">
+            <a:extLst>
+              <a:ext uri="{FF2B5EF4-FFF2-40B4-BE49-F238E27FC236}">
+                <a16:creationId xmlns:a16="http://schemas.microsoft.com/office/drawing/2014/main" id="{C062E60F-5CD4-4268-8359-8076634680E5}"/>
+              </a:ext>
+              <a:ext uri="{C183D7F6-B498-43B3-948B-1728B52AA6E4}">
+                <adec:decorative xmlns:adec="http://schemas.microsoft.com/office/drawing/2017/decorative" val="1"/>
+              </a:ext>
+            </a:extLst>
+          </p:cNvPr>
+          <p:cNvSpPr>
+            <a:spLocks noGrp="1" noRot="1" noChangeAspect="1" noMove="1" noResize="1" noEditPoints="1" noAdjustHandles="1" noChangeArrowheads="1" noChangeShapeType="1" noTextEdit="1"/>
+          </p:cNvSpPr>
+          <p:nvPr>
+            <p:extLst>
+              <p:ext uri="{386F3935-93C4-4BCD-93E2-E3B085C9AB24}">
+                <p16:designElem xmlns:p16="http://schemas.microsoft.com/office/powerpoint/2015/main" val="1"/>
+              </p:ext>
+            </p:extLst>
+          </p:nvPr>
+        </p:nvSpPr>
+        <p:spPr>
+          <a:xfrm>
+            <a:off x="554416" y="288350"/>
+            <a:ext cx="11167447" cy="2089317"/>
+          </a:xfrm>
+          <a:prstGeom prst="rect">
+            <a:avLst/>
+          </a:prstGeom>
+          <a:ln w="12700">
+            <a:solidFill>
+              <a:schemeClr val="tx2">
+                <a:lumMod val="10000"/>
+                <a:lumOff val="90000"/>
+              </a:schemeClr>
+            </a:solidFill>
+          </a:ln>
+          <a:effectLst>
+            <a:outerShdw blurRad="50800" dist="38100" dir="2700000" algn="tl" rotWithShape="0">
+              <a:schemeClr val="bg2">
+                <a:lumMod val="85000"/>
+                <a:alpha val="30000"/>
+              </a:schemeClr>
+            </a:outerShdw>
+          </a:effectLst>
+        </p:spPr>
+        <p:style>
+          <a:lnRef idx="2">
+            <a:schemeClr val="accent1">
+              <a:shade val="50000"/>
+            </a:schemeClr>
+          </a:lnRef>
+          <a:fillRef idx="1">
+            <a:schemeClr val="accent1"/>
+          </a:fillRef>
+          <a:effectRef idx="0">
+            <a:schemeClr val="accent1"/>
+          </a:effectRef>
+          <a:fontRef idx="minor">
+            <a:schemeClr val="lt1"/>
+          </a:fontRef>
+        </p:style>
+        <p:txBody>
+          <a:bodyPr rtlCol="0" anchor="ctr"/>
+          <a:lstStyle/>
+          <a:p>
+            <a:pPr marL="0" marR="0" lvl="0" indent="0" algn="ctr" defTabSz="914400" rtl="0" eaLnBrk="1" fontAlgn="auto" latinLnBrk="0" hangingPunct="1">
+              <a:lnSpc>
+                <a:spcPct val="100000"/>
+              </a:lnSpc>
+              <a:spcBef>
+                <a:spcPts val="0"/>
+              </a:spcBef>
+              <a:spcAft>
+                <a:spcPts val="0"/>
+              </a:spcAft>
+              <a:buClrTx/>
+              <a:buSzTx/>
+              <a:buFontTx/>
+              <a:buNone/>
+              <a:tabLst/>
+              <a:defRPr/>
+            </a:pPr>
+            <a:endParaRPr kumimoji="0" lang="en-US" sz="1800" b="0" i="0" u="none" strike="noStrike" kern="1200" cap="none" spc="0" normalizeH="0" baseline="0" noProof="0">
+              <a:ln>
+                <a:noFill/>
+              </a:ln>
+              <a:solidFill>
+                <a:prstClr val="white"/>
+              </a:solidFill>
+              <a:effectLst/>
+              <a:uLnTx/>
+              <a:uFillTx/>
+              <a:latin typeface="Calibri" panose="020F0502020204030204"/>
+              <a:ea typeface="+mn-ea"/>
+              <a:cs typeface="+mn-cs"/>
+            </a:endParaRPr>
+          </a:p>
+        </p:txBody>
+      </p:sp>
+      <p:sp>
+        <p:nvSpPr>
+          <p:cNvPr id="2" name="Title 1">
+            <a:extLst>
+              <a:ext uri="{FF2B5EF4-FFF2-40B4-BE49-F238E27FC236}">
+                <a16:creationId xmlns:a16="http://schemas.microsoft.com/office/drawing/2014/main" id="{9A2466C0-80D9-74E9-F4DC-B427B74408B5}"/>
+              </a:ext>
+            </a:extLst>
+          </p:cNvPr>
+          <p:cNvSpPr>
+            <a:spLocks noGrp="1"/>
+          </p:cNvSpPr>
+          <p:nvPr>
+            <p:ph type="title"/>
+          </p:nvPr>
+        </p:nvSpPr>
+        <p:spPr>
+          <a:xfrm>
+            <a:off x="841248" y="510047"/>
+            <a:ext cx="3300984" cy="1645920"/>
+          </a:xfrm>
+        </p:spPr>
+        <p:txBody>
+          <a:bodyPr>
+            <a:normAutofit/>
+          </a:bodyPr>
+          <a:lstStyle/>
+          <a:p>
+            <a:r>
+              <a:rPr lang="en-US" sz="2800">
+                <a:ea typeface="+mj-lt"/>
+                <a:cs typeface="+mj-lt"/>
+              </a:rPr>
+              <a:t>Basic Requirement 2:</a:t>
+            </a:r>
+            <a:endParaRPr lang="en-US" sz="2800"/>
+          </a:p>
+        </p:txBody>
+      </p:sp>
+      <p:sp>
+        <p:nvSpPr>
+          <p:cNvPr id="30" name="Rectangle 29">
+            <a:extLst>
+              <a:ext uri="{FF2B5EF4-FFF2-40B4-BE49-F238E27FC236}">
+                <a16:creationId xmlns:a16="http://schemas.microsoft.com/office/drawing/2014/main" id="{BB341EC3-1810-4D33-BA3F-E2D0AA0ECFB6}"/>
+              </a:ext>
+              <a:ext uri="{C183D7F6-B498-43B3-948B-1728B52AA6E4}">
+                <adec:decorative xmlns:adec="http://schemas.microsoft.com/office/drawing/2017/decorative" val="1"/>
+              </a:ext>
+            </a:extLst>
+          </p:cNvPr>
+          <p:cNvSpPr>
+            <a:spLocks noGrp="1" noRot="1" noChangeAspect="1" noMove="1" noResize="1" noEditPoints="1" noAdjustHandles="1" noChangeArrowheads="1" noChangeShapeType="1" noTextEdit="1"/>
+          </p:cNvSpPr>
+          <p:nvPr>
+            <p:extLst>
+              <p:ext uri="{386F3935-93C4-4BCD-93E2-E3B085C9AB24}">
+                <p16:designElem xmlns:p16="http://schemas.microsoft.com/office/powerpoint/2015/main" val="1"/>
+              </p:ext>
+            </p:extLst>
+          </p:nvPr>
+        </p:nvSpPr>
+        <p:spPr>
+          <a:xfrm>
+            <a:off x="490408" y="980964"/>
+            <a:ext cx="128016" cy="704088"/>
+          </a:xfrm>
+          <a:prstGeom prst="rect">
+            <a:avLst/>
+          </a:prstGeom>
+          <a:solidFill>
+            <a:schemeClr val="accent1"/>
+          </a:solidFill>
+          <a:ln>
+            <a:noFill/>
+          </a:ln>
+        </p:spPr>
+        <p:style>
+          <a:lnRef idx="2">
+            <a:schemeClr val="accent1">
+              <a:shade val="50000"/>
+            </a:schemeClr>
+          </a:lnRef>
+          <a:fillRef idx="1">
+            <a:schemeClr val="accent1"/>
+          </a:fillRef>
+          <a:effectRef idx="0">
+            <a:schemeClr val="accent1"/>
+          </a:effectRef>
+          <a:fontRef idx="minor">
+            <a:schemeClr val="lt1"/>
+          </a:fontRef>
+        </p:style>
+        <p:txBody>
+          <a:bodyPr rtlCol="0" anchor="ctr"/>
+          <a:lstStyle/>
+          <a:p>
+            <a:pPr marL="0" marR="0" lvl="0" indent="0" algn="ctr" defTabSz="914400" rtl="0" eaLnBrk="1" fontAlgn="auto" latinLnBrk="0" hangingPunct="1">
+              <a:lnSpc>
+                <a:spcPct val="100000"/>
+              </a:lnSpc>
+              <a:spcBef>
+                <a:spcPts val="0"/>
+              </a:spcBef>
+              <a:spcAft>
+                <a:spcPts val="0"/>
+              </a:spcAft>
+              <a:buClrTx/>
+              <a:buSzTx/>
+              <a:buFontTx/>
+              <a:buNone/>
+              <a:tabLst/>
+              <a:defRPr/>
+            </a:pPr>
+            <a:endParaRPr kumimoji="0" lang="en-US" sz="1800" b="0" i="0" u="none" strike="noStrike" kern="1200" cap="none" spc="0" normalizeH="0" baseline="0" noProof="0" dirty="0">
+              <a:ln>
+                <a:noFill/>
+              </a:ln>
+              <a:solidFill>
+                <a:prstClr val="white"/>
+              </a:solidFill>
+              <a:effectLst/>
+              <a:uLnTx/>
+              <a:uFillTx/>
+              <a:latin typeface="Calibri" panose="020F0502020204030204"/>
+              <a:ea typeface="+mn-ea"/>
+              <a:cs typeface="+mn-cs"/>
+            </a:endParaRPr>
+          </a:p>
+        </p:txBody>
+      </p:sp>
+      <p:sp>
+        <p:nvSpPr>
+          <p:cNvPr id="32" name="Rectangle 31">
+            <a:extLst>
+              <a:ext uri="{FF2B5EF4-FFF2-40B4-BE49-F238E27FC236}">
+                <a16:creationId xmlns:a16="http://schemas.microsoft.com/office/drawing/2014/main" id="{10127CDE-2B99-47A8-BB3C-7D17519105E0}"/>
+              </a:ext>
+              <a:ext uri="{C183D7F6-B498-43B3-948B-1728B52AA6E4}">
+                <adec:decorative xmlns:adec="http://schemas.microsoft.com/office/drawing/2017/decorative" val="1"/>
+              </a:ext>
+            </a:extLst>
+          </p:cNvPr>
+          <p:cNvSpPr>
+            <a:spLocks noGrp="1" noRot="1" noChangeAspect="1" noMove="1" noResize="1" noEditPoints="1" noAdjustHandles="1" noChangeArrowheads="1" noChangeShapeType="1" noTextEdit="1"/>
+          </p:cNvSpPr>
+          <p:nvPr>
+            <p:extLst>
+              <p:ext uri="{386F3935-93C4-4BCD-93E2-E3B085C9AB24}">
+                <p16:designElem xmlns:p16="http://schemas.microsoft.com/office/powerpoint/2015/main" val="1"/>
+              </p:ext>
+            </p:extLst>
+          </p:nvPr>
+        </p:nvSpPr>
+        <p:spPr>
+          <a:xfrm rot="5400000">
+            <a:off x="3602736" y="1328435"/>
+            <a:ext cx="1463040" cy="9144"/>
+          </a:xfrm>
+          <a:prstGeom prst="rect">
+            <a:avLst/>
+          </a:prstGeom>
+          <a:solidFill>
+            <a:schemeClr val="tx2">
+              <a:lumMod val="25000"/>
+              <a:lumOff val="75000"/>
+            </a:schemeClr>
+          </a:solidFill>
+          <a:ln w="3175">
+            <a:noFill/>
+          </a:ln>
+          <a:effectLst/>
+        </p:spPr>
+        <p:style>
+          <a:lnRef idx="2">
+            <a:schemeClr val="accent1">
+              <a:shade val="50000"/>
+            </a:schemeClr>
+          </a:lnRef>
+          <a:fillRef idx="1">
+            <a:schemeClr val="accent1"/>
+          </a:fillRef>
+          <a:effectRef idx="0">
+            <a:schemeClr val="accent1"/>
+          </a:effectRef>
+          <a:fontRef idx="minor">
+            <a:schemeClr val="lt1"/>
+          </a:fontRef>
+        </p:style>
+        <p:txBody>
+          <a:bodyPr rtlCol="0" anchor="ctr"/>
+          <a:lstStyle/>
+          <a:p>
+            <a:pPr marL="0" marR="0" lvl="0" indent="0" algn="ctr" defTabSz="914400" rtl="0" eaLnBrk="1" fontAlgn="auto" latinLnBrk="0" hangingPunct="1">
+              <a:lnSpc>
+                <a:spcPct val="100000"/>
+              </a:lnSpc>
+              <a:spcBef>
+                <a:spcPts val="0"/>
+              </a:spcBef>
+              <a:spcAft>
+                <a:spcPts val="0"/>
+              </a:spcAft>
+              <a:buClrTx/>
+              <a:buSzTx/>
+              <a:buFontTx/>
+              <a:buNone/>
+              <a:tabLst/>
+              <a:defRPr/>
+            </a:pPr>
+            <a:endParaRPr kumimoji="0" lang="en-US" sz="1800" b="0" i="0" u="none" strike="noStrike" kern="1200" cap="none" spc="0" normalizeH="0" baseline="0" noProof="0">
+              <a:ln>
+                <a:noFill/>
+              </a:ln>
+              <a:solidFill>
+                <a:prstClr val="white"/>
+              </a:solidFill>
+              <a:effectLst/>
+              <a:uLnTx/>
+              <a:uFillTx/>
+              <a:latin typeface="Calibri" panose="020F0502020204030204"/>
+              <a:ea typeface="+mn-ea"/>
+              <a:cs typeface="+mn-cs"/>
+            </a:endParaRPr>
+          </a:p>
+        </p:txBody>
+      </p:sp>
+      <p:pic>
+        <p:nvPicPr>
+          <p:cNvPr id="8" name="Content Placeholder 7">
+            <a:extLst>
+              <a:ext uri="{FF2B5EF4-FFF2-40B4-BE49-F238E27FC236}">
+                <a16:creationId xmlns:a16="http://schemas.microsoft.com/office/drawing/2014/main" id="{49F4E6DA-F0D9-8CAF-1EE1-92BBB2C9A3DF}"/>
+              </a:ext>
+            </a:extLst>
+          </p:cNvPr>
+          <p:cNvPicPr>
+            <a:picLocks noGrp="1" noChangeAspect="1"/>
+          </p:cNvPicPr>
+          <p:nvPr>
+            <p:ph idx="1"/>
+          </p:nvPr>
+        </p:nvPicPr>
+        <p:blipFill>
+          <a:blip r:embed="rId2"/>
+          <a:stretch>
+            <a:fillRect/>
+          </a:stretch>
+        </p:blipFill>
+        <p:spPr>
+          <a:xfrm>
+            <a:off x="99516" y="6301340"/>
+            <a:ext cx="4781550" cy="266700"/>
+          </a:xfrm>
+        </p:spPr>
+      </p:pic>
+      <p:pic>
+        <p:nvPicPr>
+          <p:cNvPr id="6" name="Picture 5" descr="A screenshot of a computer program&#10;&#10;Description automatically generated">
+            <a:extLst>
+              <a:ext uri="{FF2B5EF4-FFF2-40B4-BE49-F238E27FC236}">
+                <a16:creationId xmlns:a16="http://schemas.microsoft.com/office/drawing/2014/main" id="{7CFD3AA0-DA27-23A7-B207-0C0B269B9D51}"/>
+              </a:ext>
+            </a:extLst>
+          </p:cNvPr>
+          <p:cNvPicPr>
+            <a:picLocks noChangeAspect="1"/>
+          </p:cNvPicPr>
+          <p:nvPr/>
+        </p:nvPicPr>
+        <p:blipFill rotWithShape="1">
+          <a:blip r:embed="rId3"/>
+          <a:srcRect r="34994" b="-2"/>
+          <a:stretch/>
+        </p:blipFill>
+        <p:spPr>
+          <a:xfrm>
+            <a:off x="557784" y="2606462"/>
+            <a:ext cx="3584448" cy="3639312"/>
+          </a:xfrm>
+          <a:prstGeom prst="rect">
+            <a:avLst/>
+          </a:prstGeom>
+        </p:spPr>
+      </p:pic>
+      <p:pic>
+        <p:nvPicPr>
+          <p:cNvPr id="5" name="Picture 4" descr="A computer screen shot of code&#10;&#10;Description automatically generated">
+            <a:extLst>
+              <a:ext uri="{FF2B5EF4-FFF2-40B4-BE49-F238E27FC236}">
+                <a16:creationId xmlns:a16="http://schemas.microsoft.com/office/drawing/2014/main" id="{14F1D121-DC1E-8BFA-B77D-0277F6205823}"/>
+              </a:ext>
+            </a:extLst>
+          </p:cNvPr>
+          <p:cNvPicPr>
+            <a:picLocks noChangeAspect="1"/>
+          </p:cNvPicPr>
+          <p:nvPr/>
+        </p:nvPicPr>
+        <p:blipFill rotWithShape="1">
+          <a:blip r:embed="rId4"/>
+          <a:srcRect r="36156" b="-4"/>
+          <a:stretch/>
+        </p:blipFill>
+        <p:spPr>
+          <a:xfrm>
+            <a:off x="4347599" y="2606462"/>
+            <a:ext cx="3584448" cy="3639312"/>
+          </a:xfrm>
+          <a:prstGeom prst="rect">
+            <a:avLst/>
+          </a:prstGeom>
+        </p:spPr>
+      </p:pic>
+      <p:pic>
+        <p:nvPicPr>
+          <p:cNvPr id="7" name="Content Placeholder 6" descr="A screenshot of a computer program&#10;&#10;Description automatically generated">
+            <a:extLst>
+              <a:ext uri="{FF2B5EF4-FFF2-40B4-BE49-F238E27FC236}">
+                <a16:creationId xmlns:a16="http://schemas.microsoft.com/office/drawing/2014/main" id="{877E74E9-B2D0-50A2-1611-CBA84D0B6772}"/>
+              </a:ext>
+            </a:extLst>
+          </p:cNvPr>
+          <p:cNvPicPr>
+            <a:picLocks noChangeAspect="1"/>
+          </p:cNvPicPr>
+          <p:nvPr/>
+        </p:nvPicPr>
+        <p:blipFill rotWithShape="1">
+          <a:blip r:embed="rId5"/>
+          <a:srcRect r="47553"/>
+          <a:stretch/>
+        </p:blipFill>
+        <p:spPr>
+          <a:xfrm>
+            <a:off x="8137415" y="2606462"/>
+            <a:ext cx="3584448" cy="3639312"/>
+          </a:xfrm>
+          <a:prstGeom prst="rect">
+            <a:avLst/>
+          </a:prstGeom>
+        </p:spPr>
+      </p:pic>
+      <p:pic>
+        <p:nvPicPr>
+          <p:cNvPr id="9" name="Picture 8" descr="A screen shot of a computer code&#10;&#10;Description automatically generated">
+            <a:extLst>
+              <a:ext uri="{FF2B5EF4-FFF2-40B4-BE49-F238E27FC236}">
+                <a16:creationId xmlns:a16="http://schemas.microsoft.com/office/drawing/2014/main" id="{E39D47F0-44AA-C357-ECBD-BF7F91D6D63C}"/>
+              </a:ext>
+            </a:extLst>
+          </p:cNvPr>
+          <p:cNvPicPr>
+            <a:picLocks noChangeAspect="1"/>
+          </p:cNvPicPr>
+          <p:nvPr/>
+        </p:nvPicPr>
+        <p:blipFill>
+          <a:blip r:embed="rId6"/>
+          <a:stretch>
+            <a:fillRect/>
+          </a:stretch>
+        </p:blipFill>
+        <p:spPr>
+          <a:xfrm>
+            <a:off x="5053710" y="709729"/>
+            <a:ext cx="2790825" cy="1238250"/>
+          </a:xfrm>
+          <a:prstGeom prst="rect">
+            <a:avLst/>
+          </a:prstGeom>
+        </p:spPr>
+      </p:pic>
+    </p:spTree>
+    <p:extLst>
+      <p:ext uri="{BB962C8B-B14F-4D97-AF65-F5344CB8AC3E}">
+        <p14:creationId xmlns:p14="http://schemas.microsoft.com/office/powerpoint/2010/main" val="741623907"/>
+      </p:ext>
+    </p:extLst>
+  </p:cSld>
+  <p:clrMapOvr>
+    <a:masterClrMapping/>
+  </p:clrMapOvr>
+</p:sld>
+</file>
+
+<file path=ppt/slides/slide4.xml><?xml version="1.0" encoding="utf-8"?>
+<p:sld xmlns:a="http://schemas.openxmlformats.org/drawingml/2006/main" xmlns:r="http://schemas.openxmlformats.org/officeDocument/2006/relationships" xmlns:p="http://schemas.openxmlformats.org/presentationml/2006/main">
+  <p:cSld>
+    <p:bg>
+      <p:bgPr>
+        <a:solidFill>
+          <a:schemeClr val="bg1"/>
+        </a:solidFill>
+        <a:effectLst/>
+      </p:bgPr>
+    </p:bg>
+    <p:spTree>
+      <p:nvGrpSpPr>
+        <p:cNvPr id="1" name=""/>
+        <p:cNvGrpSpPr/>
+        <p:nvPr/>
+      </p:nvGrpSpPr>
+      <p:grpSpPr>
+        <a:xfrm>
+          <a:off x="0" y="0"/>
+          <a:ext cx="0" cy="0"/>
+          <a:chOff x="0" y="0"/>
+          <a:chExt cx="0" cy="0"/>
+        </a:xfrm>
+      </p:grpSpPr>
+      <p:sp useBgFill="1">
+        <p:nvSpPr>
+          <p:cNvPr id="12" name="Rectangle 11">
+            <a:extLst>
+              <a:ext uri="{FF2B5EF4-FFF2-40B4-BE49-F238E27FC236}">
+                <a16:creationId xmlns:a16="http://schemas.microsoft.com/office/drawing/2014/main" id="{385E1BDC-A9B0-4A87-82E3-F3187F69A802}"/>
+              </a:ext>
+              <a:ext uri="{C183D7F6-B498-43B3-948B-1728B52AA6E4}">
+                <adec:decorative xmlns:adec="http://schemas.microsoft.com/office/drawing/2017/decorative" val="1"/>
+              </a:ext>
+            </a:extLst>
+          </p:cNvPr>
+          <p:cNvSpPr>
+            <a:spLocks noGrp="1" noRot="1" noChangeAspect="1" noMove="1" noResize="1" noEditPoints="1" noAdjustHandles="1" noChangeArrowheads="1" noChangeShapeType="1" noTextEdit="1"/>
+          </p:cNvSpPr>
+          <p:nvPr>
+            <p:extLst>
+              <p:ext uri="{386F3935-93C4-4BCD-93E2-E3B085C9AB24}">
+                <p16:designElem xmlns:p16="http://schemas.microsoft.com/office/powerpoint/2015/main" val="1"/>
+              </p:ext>
+            </p:extLst>
+          </p:nvPr>
+        </p:nvSpPr>
+        <p:spPr>
+          <a:xfrm>
+            <a:off x="0" y="0"/>
+            <a:ext cx="12192000" cy="6858000"/>
+          </a:xfrm>
+          <a:prstGeom prst="rect">
+            <a:avLst/>
+          </a:prstGeom>
+          <a:ln>
+            <a:noFill/>
+          </a:ln>
+        </p:spPr>
+        <p:style>
+          <a:lnRef idx="2">
+            <a:schemeClr val="accent1">
+              <a:shade val="50000"/>
+            </a:schemeClr>
+          </a:lnRef>
+          <a:fillRef idx="1">
+            <a:schemeClr val="accent1"/>
+          </a:fillRef>
+          <a:effectRef idx="0">
+            <a:schemeClr val="accent1"/>
+          </a:effectRef>
+          <a:fontRef idx="minor">
+            <a:schemeClr val="lt1"/>
+          </a:fontRef>
+        </p:style>
+        <p:txBody>
+          <a:bodyPr rtlCol="0" anchor="ctr"/>
+          <a:lstStyle/>
+          <a:p>
+            <a:pPr algn="ctr"/>
+            <a:endParaRPr lang="en-US"/>
+          </a:p>
+        </p:txBody>
+      </p:sp>
+      <p:sp useBgFill="1">
+        <p:nvSpPr>
+          <p:cNvPr id="14" name="Rectangle 13">
+            <a:extLst>
+              <a:ext uri="{FF2B5EF4-FFF2-40B4-BE49-F238E27FC236}">
+                <a16:creationId xmlns:a16="http://schemas.microsoft.com/office/drawing/2014/main" id="{0990C621-3B8B-4820-8328-D47EF7CE823C}"/>
+              </a:ext>
+              <a:ext uri="{C183D7F6-B498-43B3-948B-1728B52AA6E4}">
+                <adec:decorative xmlns:adec="http://schemas.microsoft.com/office/drawing/2017/decorative" val="1"/>
+              </a:ext>
+            </a:extLst>
+          </p:cNvPr>
+          <p:cNvSpPr>
+            <a:spLocks noGrp="1" noRot="1" noChangeAspect="1" noMove="1" noResize="1" noEditPoints="1" noAdjustHandles="1" noChangeArrowheads="1" noChangeShapeType="1" noTextEdit="1"/>
+          </p:cNvSpPr>
+          <p:nvPr>
+            <p:extLst>
+              <p:ext uri="{386F3935-93C4-4BCD-93E2-E3B085C9AB24}">
+                <p16:designElem xmlns:p16="http://schemas.microsoft.com/office/powerpoint/2015/main" val="1"/>
+              </p:ext>
+            </p:extLst>
+          </p:nvPr>
+        </p:nvSpPr>
+        <p:spPr>
+          <a:xfrm>
+            <a:off x="554416" y="365125"/>
+            <a:ext cx="11167447" cy="2089317"/>
+          </a:xfrm>
+          <a:prstGeom prst="rect">
+            <a:avLst/>
+          </a:prstGeom>
+          <a:ln w="12700">
+            <a:solidFill>
+              <a:schemeClr val="tx2">
+                <a:lumMod val="10000"/>
+                <a:lumOff val="90000"/>
+              </a:schemeClr>
+            </a:solidFill>
+          </a:ln>
+          <a:effectLst>
+            <a:outerShdw blurRad="50800" dist="38100" dir="2700000" algn="tl" rotWithShape="0">
+              <a:schemeClr val="bg2">
+                <a:lumMod val="85000"/>
+                <a:alpha val="30000"/>
+              </a:schemeClr>
+            </a:outerShdw>
+          </a:effectLst>
+        </p:spPr>
+        <p:style>
+          <a:lnRef idx="2">
+            <a:schemeClr val="accent1">
+              <a:shade val="50000"/>
+            </a:schemeClr>
+          </a:lnRef>
+          <a:fillRef idx="1">
+            <a:schemeClr val="accent1"/>
+          </a:fillRef>
+          <a:effectRef idx="0">
+            <a:schemeClr val="accent1"/>
+          </a:effectRef>
+          <a:fontRef idx="minor">
+            <a:schemeClr val="lt1"/>
+          </a:fontRef>
+        </p:style>
+        <p:txBody>
+          <a:bodyPr rtlCol="0" anchor="ctr"/>
+          <a:lstStyle/>
+          <a:p>
+            <a:pPr marL="0" marR="0" lvl="0" indent="0" algn="ctr" defTabSz="914400" rtl="0" eaLnBrk="1" fontAlgn="auto" latinLnBrk="0" hangingPunct="1">
+              <a:lnSpc>
+                <a:spcPct val="100000"/>
+              </a:lnSpc>
+              <a:spcBef>
+                <a:spcPts val="0"/>
+              </a:spcBef>
+              <a:spcAft>
+                <a:spcPts val="0"/>
+              </a:spcAft>
+              <a:buClrTx/>
+              <a:buSzTx/>
+              <a:buFontTx/>
+              <a:buNone/>
+              <a:tabLst/>
+              <a:defRPr/>
+            </a:pPr>
+            <a:endParaRPr kumimoji="0" lang="en-US" sz="1800" b="0" i="0" u="none" strike="noStrike" kern="1200" cap="none" spc="0" normalizeH="0" baseline="0" noProof="0">
+              <a:ln>
+                <a:noFill/>
+              </a:ln>
+              <a:solidFill>
+                <a:prstClr val="white"/>
+              </a:solidFill>
+              <a:effectLst/>
+              <a:uLnTx/>
+              <a:uFillTx/>
+              <a:latin typeface="Calibri" panose="020F0502020204030204"/>
+              <a:ea typeface="+mn-ea"/>
+              <a:cs typeface="+mn-cs"/>
+            </a:endParaRPr>
+          </a:p>
+        </p:txBody>
+      </p:sp>
+      <p:sp>
+        <p:nvSpPr>
+          <p:cNvPr id="2" name="Title 1">
+            <a:extLst>
+              <a:ext uri="{FF2B5EF4-FFF2-40B4-BE49-F238E27FC236}">
+                <a16:creationId xmlns:a16="http://schemas.microsoft.com/office/drawing/2014/main" id="{BFA19A8E-6AB3-AA4D-C752-51A251B5A2D6}"/>
+              </a:ext>
+            </a:extLst>
+          </p:cNvPr>
+          <p:cNvSpPr>
+            <a:spLocks noGrp="1"/>
+          </p:cNvSpPr>
+          <p:nvPr>
+            <p:ph type="title"/>
+          </p:nvPr>
+        </p:nvSpPr>
+        <p:spPr>
+          <a:xfrm>
+            <a:off x="1051560" y="586822"/>
+            <a:ext cx="3538728" cy="1645920"/>
+          </a:xfrm>
+        </p:spPr>
+        <p:txBody>
+          <a:bodyPr>
+            <a:normAutofit/>
+          </a:bodyPr>
+          <a:lstStyle/>
+          <a:p>
+            <a:r>
+              <a:rPr lang="en-US" sz="3200">
+                <a:ea typeface="+mj-lt"/>
+                <a:cs typeface="+mj-lt"/>
+              </a:rPr>
+              <a:t>Basic Requirement 3:</a:t>
+            </a:r>
+          </a:p>
+        </p:txBody>
+      </p:sp>
+      <p:sp>
+        <p:nvSpPr>
+          <p:cNvPr id="16" name="Rectangle 15">
+            <a:extLst>
+              <a:ext uri="{FF2B5EF4-FFF2-40B4-BE49-F238E27FC236}">
+                <a16:creationId xmlns:a16="http://schemas.microsoft.com/office/drawing/2014/main" id="{C1A2385B-1D2A-4E17-84FA-6CB7F0AAE473}"/>
+              </a:ext>
+              <a:ext uri="{C183D7F6-B498-43B3-948B-1728B52AA6E4}">
+                <adec:decorative xmlns:adec="http://schemas.microsoft.com/office/drawing/2017/decorative" val="1"/>
+              </a:ext>
+            </a:extLst>
+          </p:cNvPr>
+          <p:cNvSpPr>
+            <a:spLocks noGrp="1" noRot="1" noChangeAspect="1" noMove="1" noResize="1" noEditPoints="1" noAdjustHandles="1" noChangeArrowheads="1" noChangeShapeType="1" noTextEdit="1"/>
+          </p:cNvSpPr>
+          <p:nvPr>
+            <p:extLst>
+              <p:ext uri="{386F3935-93C4-4BCD-93E2-E3B085C9AB24}">
+                <p16:designElem xmlns:p16="http://schemas.microsoft.com/office/powerpoint/2015/main" val="1"/>
+              </p:ext>
+            </p:extLst>
+          </p:nvPr>
+        </p:nvSpPr>
+        <p:spPr>
+          <a:xfrm>
+            <a:off x="490408" y="1057739"/>
+            <a:ext cx="128016" cy="704088"/>
+          </a:xfrm>
+          <a:prstGeom prst="rect">
+            <a:avLst/>
+          </a:prstGeom>
+          <a:solidFill>
+            <a:schemeClr val="accent1"/>
+          </a:solidFill>
+          <a:ln>
+            <a:noFill/>
+          </a:ln>
+        </p:spPr>
+        <p:style>
+          <a:lnRef idx="2">
+            <a:schemeClr val="accent1">
+              <a:shade val="50000"/>
+            </a:schemeClr>
+          </a:lnRef>
+          <a:fillRef idx="1">
+            <a:schemeClr val="accent1"/>
+          </a:fillRef>
+          <a:effectRef idx="0">
+            <a:schemeClr val="accent1"/>
+          </a:effectRef>
+          <a:fontRef idx="minor">
+            <a:schemeClr val="lt1"/>
+          </a:fontRef>
+        </p:style>
+        <p:txBody>
+          <a:bodyPr rtlCol="0" anchor="ctr"/>
+          <a:lstStyle/>
+          <a:p>
+            <a:pPr marL="0" marR="0" lvl="0" indent="0" algn="ctr" defTabSz="914400" rtl="0" eaLnBrk="1" fontAlgn="auto" latinLnBrk="0" hangingPunct="1">
+              <a:lnSpc>
+                <a:spcPct val="100000"/>
+              </a:lnSpc>
+              <a:spcBef>
+                <a:spcPts val="0"/>
+              </a:spcBef>
+              <a:spcAft>
+                <a:spcPts val="0"/>
+              </a:spcAft>
+              <a:buClrTx/>
+              <a:buSzTx/>
+              <a:buFontTx/>
+              <a:buNone/>
+              <a:tabLst/>
+              <a:defRPr/>
+            </a:pPr>
+            <a:endParaRPr kumimoji="0" lang="en-US" sz="1800" b="0" i="0" u="none" strike="noStrike" kern="1200" cap="none" spc="0" normalizeH="0" baseline="0" noProof="0" dirty="0">
+              <a:ln>
+                <a:noFill/>
+              </a:ln>
+              <a:solidFill>
+                <a:prstClr val="white"/>
+              </a:solidFill>
+              <a:effectLst/>
+              <a:uLnTx/>
+              <a:uFillTx/>
+              <a:latin typeface="Calibri" panose="020F0502020204030204"/>
+              <a:ea typeface="+mn-ea"/>
+              <a:cs typeface="+mn-cs"/>
+            </a:endParaRPr>
+          </a:p>
+        </p:txBody>
+      </p:sp>
+      <p:sp>
+        <p:nvSpPr>
+          <p:cNvPr id="18" name="Rectangle 17">
+            <a:extLst>
+              <a:ext uri="{FF2B5EF4-FFF2-40B4-BE49-F238E27FC236}">
+                <a16:creationId xmlns:a16="http://schemas.microsoft.com/office/drawing/2014/main" id="{5E791F2F-79DB-4CC0-9FA1-001E3E91E8B7}"/>
+              </a:ext>
+              <a:ext uri="{C183D7F6-B498-43B3-948B-1728B52AA6E4}">
+                <adec:decorative xmlns:adec="http://schemas.microsoft.com/office/drawing/2017/decorative" val="1"/>
+              </a:ext>
+            </a:extLst>
+          </p:cNvPr>
+          <p:cNvSpPr>
+            <a:spLocks noGrp="1" noRot="1" noChangeAspect="1" noMove="1" noResize="1" noEditPoints="1" noAdjustHandles="1" noChangeArrowheads="1" noChangeShapeType="1" noTextEdit="1"/>
+          </p:cNvSpPr>
+          <p:nvPr>
+            <p:extLst>
+              <p:ext uri="{386F3935-93C4-4BCD-93E2-E3B085C9AB24}">
+                <p16:designElem xmlns:p16="http://schemas.microsoft.com/office/powerpoint/2015/main" val="1"/>
+              </p:ext>
+            </p:extLst>
+          </p:nvPr>
+        </p:nvSpPr>
+        <p:spPr>
+          <a:xfrm rot="5400000">
+            <a:off x="4248113" y="1405210"/>
+            <a:ext cx="1463040" cy="9144"/>
+          </a:xfrm>
+          <a:prstGeom prst="rect">
+            <a:avLst/>
+          </a:prstGeom>
+          <a:solidFill>
+            <a:schemeClr val="tx2">
+              <a:lumMod val="25000"/>
+              <a:lumOff val="75000"/>
+            </a:schemeClr>
+          </a:solidFill>
+          <a:ln w="3175">
+            <a:noFill/>
+          </a:ln>
+          <a:effectLst/>
+        </p:spPr>
+        <p:style>
+          <a:lnRef idx="2">
+            <a:schemeClr val="accent1">
+              <a:shade val="50000"/>
+            </a:schemeClr>
+          </a:lnRef>
+          <a:fillRef idx="1">
+            <a:schemeClr val="accent1"/>
+          </a:fillRef>
+          <a:effectRef idx="0">
+            <a:schemeClr val="accent1"/>
+          </a:effectRef>
+          <a:fontRef idx="minor">
+            <a:schemeClr val="lt1"/>
+          </a:fontRef>
+        </p:style>
+        <p:txBody>
+          <a:bodyPr rtlCol="0" anchor="ctr"/>
+          <a:lstStyle/>
+          <a:p>
+            <a:pPr marL="0" marR="0" lvl="0" indent="0" algn="ctr" defTabSz="914400" rtl="0" eaLnBrk="1" fontAlgn="auto" latinLnBrk="0" hangingPunct="1">
+              <a:lnSpc>
+                <a:spcPct val="100000"/>
+              </a:lnSpc>
+              <a:spcBef>
+                <a:spcPts val="0"/>
+              </a:spcBef>
+              <a:spcAft>
+                <a:spcPts val="0"/>
+              </a:spcAft>
+              <a:buClrTx/>
+              <a:buSzTx/>
+              <a:buFontTx/>
+              <a:buNone/>
+              <a:tabLst/>
+              <a:defRPr/>
+            </a:pPr>
+            <a:endParaRPr kumimoji="0" lang="en-US" sz="1800" b="0" i="0" u="none" strike="noStrike" kern="1200" cap="none" spc="0" normalizeH="0" baseline="0" noProof="0">
+              <a:ln>
+                <a:noFill/>
+              </a:ln>
+              <a:solidFill>
+                <a:prstClr val="white"/>
+              </a:solidFill>
+              <a:effectLst/>
+              <a:uLnTx/>
+              <a:uFillTx/>
+              <a:latin typeface="Calibri" panose="020F0502020204030204"/>
+              <a:ea typeface="+mn-ea"/>
+              <a:cs typeface="+mn-cs"/>
+            </a:endParaRPr>
+          </a:p>
+        </p:txBody>
+      </p:sp>
+      <p:sp>
+        <p:nvSpPr>
+          <p:cNvPr id="9" name="Content Placeholder 8">
+            <a:extLst>
+              <a:ext uri="{FF2B5EF4-FFF2-40B4-BE49-F238E27FC236}">
+                <a16:creationId xmlns:a16="http://schemas.microsoft.com/office/drawing/2014/main" id="{424EE948-6640-3CCC-E49B-940EE6023E0F}"/>
+              </a:ext>
+            </a:extLst>
+          </p:cNvPr>
+          <p:cNvSpPr>
+            <a:spLocks noGrp="1"/>
+          </p:cNvSpPr>
+          <p:nvPr>
+            <p:ph idx="1"/>
+          </p:nvPr>
+        </p:nvSpPr>
+        <p:spPr>
+          <a:xfrm>
+            <a:off x="5349240" y="586822"/>
+            <a:ext cx="6007608" cy="1645920"/>
+          </a:xfrm>
+        </p:spPr>
+        <p:txBody>
+          <a:bodyPr anchor="ctr">
+            <a:normAutofit/>
+          </a:bodyPr>
+          <a:lstStyle/>
+          <a:p>
+            <a:endParaRPr lang="en-US" sz="1800"/>
+          </a:p>
+        </p:txBody>
+      </p:sp>
+      <p:pic>
+        <p:nvPicPr>
+          <p:cNvPr id="5" name="Picture 4" descr="A screenshot of a computer program&#10;&#10;Description automatically generated">
+            <a:extLst>
+              <a:ext uri="{FF2B5EF4-FFF2-40B4-BE49-F238E27FC236}">
+                <a16:creationId xmlns:a16="http://schemas.microsoft.com/office/drawing/2014/main" id="{BD4CBA2C-0186-B596-D466-4DDF7223C65C}"/>
+              </a:ext>
+            </a:extLst>
+          </p:cNvPr>
+          <p:cNvPicPr>
+            <a:picLocks noChangeAspect="1"/>
+          </p:cNvPicPr>
+          <p:nvPr/>
+        </p:nvPicPr>
+        <p:blipFill>
+          <a:blip r:embed="rId2"/>
+          <a:stretch>
+            <a:fillRect/>
+          </a:stretch>
+        </p:blipFill>
+        <p:spPr>
+          <a:xfrm>
+            <a:off x="557783" y="2984470"/>
+            <a:ext cx="5481509" cy="2973717"/>
+          </a:xfrm>
+          <a:prstGeom prst="rect">
+            <a:avLst/>
+          </a:prstGeom>
+        </p:spPr>
+      </p:pic>
+      <p:pic>
+        <p:nvPicPr>
+          <p:cNvPr id="4" name="Content Placeholder 3" descr="A screenshot of a computer&#10;&#10;Description automatically generated">
+            <a:extLst>
+              <a:ext uri="{FF2B5EF4-FFF2-40B4-BE49-F238E27FC236}">
+                <a16:creationId xmlns:a16="http://schemas.microsoft.com/office/drawing/2014/main" id="{879B3933-0BAF-822A-34B5-76BFFF2984BB}"/>
+              </a:ext>
+            </a:extLst>
+          </p:cNvPr>
+          <p:cNvPicPr>
+            <a:picLocks noChangeAspect="1"/>
+          </p:cNvPicPr>
+          <p:nvPr/>
+        </p:nvPicPr>
+        <p:blipFill>
+          <a:blip r:embed="rId3"/>
+          <a:stretch>
+            <a:fillRect/>
+          </a:stretch>
+        </p:blipFill>
+        <p:spPr>
+          <a:xfrm>
+            <a:off x="6198781" y="3401232"/>
+            <a:ext cx="5523082" cy="2140194"/>
+          </a:xfrm>
+          <a:prstGeom prst="rect">
+            <a:avLst/>
+          </a:prstGeom>
+        </p:spPr>
+      </p:pic>
+    </p:spTree>
+    <p:extLst>
+      <p:ext uri="{BB962C8B-B14F-4D97-AF65-F5344CB8AC3E}">
+        <p14:creationId xmlns:p14="http://schemas.microsoft.com/office/powerpoint/2010/main" val="2246324630"/>
+      </p:ext>
+    </p:extLst>
+  </p:cSld>
+  <p:clrMapOvr>
+    <a:masterClrMapping/>
+  </p:clrMapOvr>
+</p:sld>
+</file>
+
+<file path=ppt/slides/slide5.xml><?xml version="1.0" encoding="utf-8"?>
+<p:sld xmlns:a="http://schemas.openxmlformats.org/drawingml/2006/main" xmlns:r="http://schemas.openxmlformats.org/officeDocument/2006/relationships" xmlns:p="http://schemas.openxmlformats.org/presentationml/2006/main">
+  <p:cSld>
+    <p:bg>
+      <p:bgPr>
+        <a:solidFill>
+          <a:schemeClr val="bg1"/>
+        </a:solidFill>
+        <a:effectLst/>
+      </p:bgPr>
+    </p:bg>
+    <p:spTree>
+      <p:nvGrpSpPr>
+        <p:cNvPr id="1" name=""/>
+        <p:cNvGrpSpPr/>
+        <p:nvPr/>
+      </p:nvGrpSpPr>
+      <p:grpSpPr>
+        <a:xfrm>
+          <a:off x="0" y="0"/>
+          <a:ext cx="0" cy="0"/>
+          <a:chOff x="0" y="0"/>
+          <a:chExt cx="0" cy="0"/>
+        </a:xfrm>
+      </p:grpSpPr>
+      <p:sp>
+        <p:nvSpPr>
+          <p:cNvPr id="9" name="Rectangle 8">
+            <a:extLst>
+              <a:ext uri="{FF2B5EF4-FFF2-40B4-BE49-F238E27FC236}">
+                <a16:creationId xmlns:a16="http://schemas.microsoft.com/office/drawing/2014/main" id="{8D06CE56-3881-4ADA-8CEF-D18B02C242A3}"/>
+              </a:ext>
+              <a:ext uri="{C183D7F6-B498-43B3-948B-1728B52AA6E4}">
+                <adec:decorative xmlns:adec="http://schemas.microsoft.com/office/drawing/2017/decorative" val="1"/>
+              </a:ext>
+            </a:extLst>
+          </p:cNvPr>
+          <p:cNvSpPr>
+            <a:spLocks noGrp="1" noRot="1" noChangeAspect="1" noMove="1" noResize="1" noEditPoints="1" noAdjustHandles="1" noChangeArrowheads="1" noChangeShapeType="1" noTextEdit="1"/>
+          </p:cNvSpPr>
+          <p:nvPr>
+            <p:extLst>
+              <p:ext uri="{386F3935-93C4-4BCD-93E2-E3B085C9AB24}">
+                <p16:designElem xmlns:p16="http://schemas.microsoft.com/office/powerpoint/2015/main" val="1"/>
+              </p:ext>
+            </p:extLst>
+          </p:nvPr>
+        </p:nvSpPr>
+        <p:spPr>
+          <a:xfrm rot="5400000">
+            <a:off x="857544" y="346791"/>
+            <a:ext cx="146304" cy="704088"/>
+          </a:xfrm>
+          <a:prstGeom prst="rect">
+            <a:avLst/>
+          </a:prstGeom>
+          <a:solidFill>
+            <a:schemeClr val="accent1"/>
+          </a:solidFill>
+          <a:ln>
+            <a:noFill/>
+          </a:ln>
+        </p:spPr>
+        <p:style>
+          <a:lnRef idx="2">
+            <a:schemeClr val="accent1">
+              <a:shade val="50000"/>
+            </a:schemeClr>
+          </a:lnRef>
+          <a:fillRef idx="1">
+            <a:schemeClr val="accent1"/>
+          </a:fillRef>
+          <a:effectRef idx="0">
+            <a:schemeClr val="accent1"/>
+          </a:effectRef>
+          <a:fontRef idx="minor">
+            <a:schemeClr val="lt1"/>
+          </a:fontRef>
+        </p:style>
+        <p:txBody>
+          <a:bodyPr rtlCol="0" anchor="ctr"/>
+          <a:lstStyle/>
+          <a:p>
+            <a:pPr marL="0" marR="0" lvl="0" indent="0" algn="ctr" defTabSz="914400" rtl="0" eaLnBrk="1" fontAlgn="auto" latinLnBrk="0" hangingPunct="1">
+              <a:lnSpc>
+                <a:spcPct val="100000"/>
+              </a:lnSpc>
+              <a:spcBef>
+                <a:spcPts val="0"/>
+              </a:spcBef>
+              <a:spcAft>
+                <a:spcPts val="0"/>
+              </a:spcAft>
+              <a:buClrTx/>
+              <a:buSzTx/>
+              <a:buFontTx/>
+              <a:buNone/>
+              <a:tabLst/>
+              <a:defRPr/>
+            </a:pPr>
+            <a:endParaRPr kumimoji="0" lang="en-US" sz="1800" b="0" i="0" u="none" strike="noStrike" kern="1200" cap="none" spc="0" normalizeH="0" baseline="0" noProof="0">
+              <a:ln>
+                <a:noFill/>
+              </a:ln>
+              <a:solidFill>
+                <a:prstClr val="white"/>
+              </a:solidFill>
+              <a:effectLst/>
+              <a:uLnTx/>
+              <a:uFillTx/>
+              <a:latin typeface="Calibri" panose="020F0502020204030204"/>
+              <a:ea typeface="+mn-ea"/>
+              <a:cs typeface="+mn-cs"/>
+            </a:endParaRPr>
+          </a:p>
+        </p:txBody>
+      </p:sp>
+      <p:sp>
+        <p:nvSpPr>
+          <p:cNvPr id="11" name="Rectangle 10">
+            <a:extLst>
+              <a:ext uri="{FF2B5EF4-FFF2-40B4-BE49-F238E27FC236}">
+                <a16:creationId xmlns:a16="http://schemas.microsoft.com/office/drawing/2014/main" id="{79F3C543-62EC-4433-9C93-A2CD8764E9B4}"/>
+              </a:ext>
+              <a:ext uri="{C183D7F6-B498-43B3-948B-1728B52AA6E4}">
+                <adec:decorative xmlns:adec="http://schemas.microsoft.com/office/drawing/2017/decorative" val="1"/>
+              </a:ext>
+            </a:extLst>
+          </p:cNvPr>
+          <p:cNvSpPr>
+            <a:spLocks noGrp="1" noRot="1" noChangeAspect="1" noMove="1" noResize="1" noEditPoints="1" noAdjustHandles="1" noChangeArrowheads="1" noChangeShapeType="1" noTextEdit="1"/>
+          </p:cNvSpPr>
+          <p:nvPr>
+            <p:extLst>
+              <p:ext uri="{386F3935-93C4-4BCD-93E2-E3B085C9AB24}">
+                <p16:designElem xmlns:p16="http://schemas.microsoft.com/office/powerpoint/2015/main" val="1"/>
+              </p:ext>
+            </p:extLst>
+          </p:nvPr>
+        </p:nvSpPr>
+        <p:spPr>
+          <a:xfrm flipV="1">
+            <a:off x="578652" y="4501201"/>
+            <a:ext cx="11034696" cy="18288"/>
+          </a:xfrm>
+          <a:prstGeom prst="rect">
+            <a:avLst/>
+          </a:prstGeom>
+          <a:solidFill>
+            <a:schemeClr val="tx2">
+              <a:lumMod val="25000"/>
+              <a:lumOff val="75000"/>
+            </a:schemeClr>
+          </a:solidFill>
+          <a:ln w="3175">
+            <a:noFill/>
+          </a:ln>
+          <a:effectLst/>
+        </p:spPr>
+        <p:style>
+          <a:lnRef idx="2">
+            <a:schemeClr val="accent1">
+              <a:shade val="50000"/>
+            </a:schemeClr>
+          </a:lnRef>
+          <a:fillRef idx="1">
+            <a:schemeClr val="accent1"/>
+          </a:fillRef>
+          <a:effectRef idx="0">
+            <a:schemeClr val="accent1"/>
+          </a:effectRef>
+          <a:fontRef idx="minor">
+            <a:schemeClr val="lt1"/>
+          </a:fontRef>
+        </p:style>
+        <p:txBody>
+          <a:bodyPr rtlCol="0" anchor="ctr"/>
+          <a:lstStyle/>
+          <a:p>
+            <a:pPr marL="0" marR="0" lvl="0" indent="0" algn="ctr" defTabSz="914400" rtl="0" eaLnBrk="1" fontAlgn="auto" latinLnBrk="0" hangingPunct="1">
+              <a:lnSpc>
+                <a:spcPct val="100000"/>
+              </a:lnSpc>
+              <a:spcBef>
+                <a:spcPts val="0"/>
+              </a:spcBef>
+              <a:spcAft>
+                <a:spcPts val="0"/>
+              </a:spcAft>
+              <a:buClrTx/>
+              <a:buSzTx/>
+              <a:buFontTx/>
+              <a:buNone/>
+              <a:tabLst/>
+              <a:defRPr/>
+            </a:pPr>
+            <a:endParaRPr kumimoji="0" lang="en-US" sz="1800" b="0" i="0" u="none" strike="noStrike" kern="1200" cap="none" spc="0" normalizeH="0" baseline="0" noProof="0">
+              <a:ln>
+                <a:noFill/>
+              </a:ln>
+              <a:solidFill>
+                <a:prstClr val="white"/>
+              </a:solidFill>
+              <a:effectLst/>
+              <a:uLnTx/>
+              <a:uFillTx/>
+              <a:latin typeface="Calibri" panose="020F0502020204030204"/>
+              <a:ea typeface="+mn-ea"/>
+              <a:cs typeface="+mn-cs"/>
+            </a:endParaRPr>
+          </a:p>
+        </p:txBody>
+      </p:sp>
+      <p:sp useBgFill="1">
+        <p:nvSpPr>
+          <p:cNvPr id="13" name="Rectangle 12">
+            <a:extLst>
+              <a:ext uri="{FF2B5EF4-FFF2-40B4-BE49-F238E27FC236}">
+                <a16:creationId xmlns:a16="http://schemas.microsoft.com/office/drawing/2014/main" id="{68AF5748-FED8-45BA-8631-26D1D10F3246}"/>
+              </a:ext>
+              <a:ext uri="{C183D7F6-B498-43B3-948B-1728B52AA6E4}">
+                <adec:decorative xmlns:adec="http://schemas.microsoft.com/office/drawing/2017/decorative" val="1"/>
+              </a:ext>
+            </a:extLst>
+          </p:cNvPr>
+          <p:cNvSpPr>
+            <a:spLocks noGrp="1" noRot="1" noChangeAspect="1" noMove="1" noResize="1" noEditPoints="1" noAdjustHandles="1" noChangeArrowheads="1" noChangeShapeType="1" noTextEdit="1"/>
+          </p:cNvSpPr>
+          <p:nvPr>
+            <p:extLst>
+              <p:ext uri="{386F3935-93C4-4BCD-93E2-E3B085C9AB24}">
+                <p16:designElem xmlns:p16="http://schemas.microsoft.com/office/powerpoint/2015/main" val="1"/>
+              </p:ext>
+            </p:extLst>
+          </p:nvPr>
+        </p:nvSpPr>
+        <p:spPr>
+          <a:xfrm>
+            <a:off x="0" y="0"/>
+            <a:ext cx="12192000" cy="6858000"/>
+          </a:xfrm>
+          <a:prstGeom prst="rect">
+            <a:avLst/>
+          </a:prstGeom>
+          <a:ln>
+            <a:noFill/>
+          </a:ln>
+        </p:spPr>
+        <p:style>
+          <a:lnRef idx="2">
+            <a:schemeClr val="accent1">
+              <a:shade val="50000"/>
+            </a:schemeClr>
+          </a:lnRef>
+          <a:fillRef idx="1">
+            <a:schemeClr val="accent1"/>
+          </a:fillRef>
+          <a:effectRef idx="0">
+            <a:schemeClr val="accent1"/>
+          </a:effectRef>
+          <a:fontRef idx="minor">
+            <a:schemeClr val="lt1"/>
+          </a:fontRef>
+        </p:style>
+        <p:txBody>
+          <a:bodyPr rtlCol="0" anchor="ctr"/>
+          <a:lstStyle/>
+          <a:p>
+            <a:pPr algn="ctr"/>
+            <a:endParaRPr lang="en-US"/>
+          </a:p>
+        </p:txBody>
+      </p:sp>
+      <p:sp>
+        <p:nvSpPr>
+          <p:cNvPr id="2" name="Title 1">
+            <a:extLst>
+              <a:ext uri="{FF2B5EF4-FFF2-40B4-BE49-F238E27FC236}">
+                <a16:creationId xmlns:a16="http://schemas.microsoft.com/office/drawing/2014/main" id="{A8287AD0-5711-7DD0-F350-775E7CFD6E8C}"/>
+              </a:ext>
+            </a:extLst>
+          </p:cNvPr>
+          <p:cNvSpPr>
+            <a:spLocks noGrp="1"/>
+          </p:cNvSpPr>
+          <p:nvPr>
+            <p:ph type="title"/>
+          </p:nvPr>
+        </p:nvSpPr>
+        <p:spPr>
+          <a:xfrm>
+            <a:off x="477981" y="1122363"/>
+            <a:ext cx="4023360" cy="3204134"/>
+          </a:xfrm>
+        </p:spPr>
+        <p:txBody>
+          <a:bodyPr vert="horz" lIns="91440" tIns="45720" rIns="91440" bIns="45720" rtlCol="0" anchor="b">
+            <a:normAutofit/>
+          </a:bodyPr>
+          <a:lstStyle/>
+          <a:p>
+            <a:r>
+              <a:rPr lang="en-US" sz="4800"/>
+              <a:t>Advanced Requirement 1:</a:t>
+            </a:r>
+          </a:p>
+        </p:txBody>
+      </p:sp>
+      <p:sp>
+        <p:nvSpPr>
+          <p:cNvPr id="15" name="Rectangle 14">
+            <a:extLst>
+              <a:ext uri="{FF2B5EF4-FFF2-40B4-BE49-F238E27FC236}">
+                <a16:creationId xmlns:a16="http://schemas.microsoft.com/office/drawing/2014/main" id="{AF2F604E-43BE-4DC3-B983-E071523364F8}"/>
+              </a:ext>
+              <a:ext uri="{C183D7F6-B498-43B3-948B-1728B52AA6E4}">
+                <adec:decorative xmlns:adec="http://schemas.microsoft.com/office/drawing/2017/decorative" val="1"/>
+              </a:ext>
+            </a:extLst>
+          </p:cNvPr>
+          <p:cNvSpPr>
+            <a:spLocks noGrp="1" noRot="1" noChangeAspect="1" noMove="1" noResize="1" noEditPoints="1" noAdjustHandles="1" noChangeArrowheads="1" noChangeShapeType="1" noTextEdit="1"/>
+          </p:cNvSpPr>
+          <p:nvPr>
+            <p:extLst>
+              <p:ext uri="{386F3935-93C4-4BCD-93E2-E3B085C9AB24}">
+                <p16:designElem xmlns:p16="http://schemas.microsoft.com/office/powerpoint/2015/main" val="1"/>
+              </p:ext>
+            </p:extLst>
+          </p:nvPr>
+        </p:nvSpPr>
+        <p:spPr>
+          <a:xfrm rot="5400000">
+            <a:off x="759921" y="346791"/>
+            <a:ext cx="146304" cy="704088"/>
+          </a:xfrm>
+          <a:prstGeom prst="rect">
+            <a:avLst/>
+          </a:prstGeom>
+          <a:solidFill>
+            <a:schemeClr val="accent1"/>
+          </a:solidFill>
+          <a:ln>
+            <a:noFill/>
+          </a:ln>
+        </p:spPr>
+        <p:style>
+          <a:lnRef idx="2">
+            <a:schemeClr val="accent1">
+              <a:shade val="50000"/>
+            </a:schemeClr>
+          </a:lnRef>
+          <a:fillRef idx="1">
+            <a:schemeClr val="accent1"/>
+          </a:fillRef>
+          <a:effectRef idx="0">
+            <a:schemeClr val="accent1"/>
+          </a:effectRef>
+          <a:fontRef idx="minor">
+            <a:schemeClr val="lt1"/>
+          </a:fontRef>
+        </p:style>
+        <p:txBody>
+          <a:bodyPr rtlCol="0" anchor="ctr"/>
+          <a:lstStyle/>
+          <a:p>
+            <a:pPr marL="0" marR="0" lvl="0" indent="0" algn="ctr" defTabSz="914400" rtl="0" eaLnBrk="1" fontAlgn="auto" latinLnBrk="0" hangingPunct="1">
+              <a:lnSpc>
+                <a:spcPct val="100000"/>
+              </a:lnSpc>
+              <a:spcBef>
+                <a:spcPts val="0"/>
+              </a:spcBef>
+              <a:spcAft>
+                <a:spcPts val="0"/>
+              </a:spcAft>
+              <a:buClrTx/>
+              <a:buSzTx/>
+              <a:buFontTx/>
+              <a:buNone/>
+              <a:tabLst/>
+              <a:defRPr/>
+            </a:pPr>
+            <a:endParaRPr kumimoji="0" lang="en-US" sz="1800" b="0" i="0" u="none" strike="noStrike" kern="1200" cap="none" spc="0" normalizeH="0" baseline="0" noProof="0">
+              <a:ln>
+                <a:noFill/>
+              </a:ln>
+              <a:solidFill>
+                <a:prstClr val="white"/>
+              </a:solidFill>
+              <a:effectLst/>
+              <a:uLnTx/>
+              <a:uFillTx/>
+              <a:latin typeface="Calibri" panose="020F0502020204030204"/>
+              <a:ea typeface="+mn-ea"/>
+              <a:cs typeface="+mn-cs"/>
+            </a:endParaRPr>
+          </a:p>
+        </p:txBody>
+      </p:sp>
+      <p:sp>
+        <p:nvSpPr>
+          <p:cNvPr id="17" name="Rectangle 16">
+            <a:extLst>
+              <a:ext uri="{FF2B5EF4-FFF2-40B4-BE49-F238E27FC236}">
+                <a16:creationId xmlns:a16="http://schemas.microsoft.com/office/drawing/2014/main" id="{08C9B587-E65E-4B52-B37C-ABEBB6E87928}"/>
+              </a:ext>
+              <a:ext uri="{C183D7F6-B498-43B3-948B-1728B52AA6E4}">
+                <adec:decorative xmlns:adec="http://schemas.microsoft.com/office/drawing/2017/decorative" val="1"/>
+              </a:ext>
+            </a:extLst>
+          </p:cNvPr>
+          <p:cNvSpPr>
+            <a:spLocks noGrp="1" noRot="1" noChangeAspect="1" noMove="1" noResize="1" noEditPoints="1" noAdjustHandles="1" noChangeArrowheads="1" noChangeShapeType="1" noTextEdit="1"/>
+          </p:cNvSpPr>
+          <p:nvPr>
+            <p:extLst>
+              <p:ext uri="{386F3935-93C4-4BCD-93E2-E3B085C9AB24}">
+                <p16:designElem xmlns:p16="http://schemas.microsoft.com/office/powerpoint/2015/main" val="1"/>
+              </p:ext>
+            </p:extLst>
+          </p:nvPr>
+        </p:nvSpPr>
+        <p:spPr>
+          <a:xfrm>
+            <a:off x="481029" y="4546920"/>
+            <a:ext cx="4023360" cy="18288"/>
+          </a:xfrm>
+          <a:prstGeom prst="rect">
+            <a:avLst/>
+          </a:prstGeom>
+          <a:solidFill>
+            <a:schemeClr val="tx2">
+              <a:lumMod val="25000"/>
+              <a:lumOff val="75000"/>
+            </a:schemeClr>
+          </a:solidFill>
+          <a:ln w="3175">
+            <a:noFill/>
+          </a:ln>
+          <a:effectLst/>
+        </p:spPr>
+        <p:style>
+          <a:lnRef idx="2">
+            <a:schemeClr val="accent1">
+              <a:shade val="50000"/>
+            </a:schemeClr>
+          </a:lnRef>
+          <a:fillRef idx="1">
+            <a:schemeClr val="accent1"/>
+          </a:fillRef>
+          <a:effectRef idx="0">
+            <a:schemeClr val="accent1"/>
+          </a:effectRef>
+          <a:fontRef idx="minor">
+            <a:schemeClr val="lt1"/>
+          </a:fontRef>
+        </p:style>
+        <p:txBody>
+          <a:bodyPr rtlCol="0" anchor="ctr"/>
+          <a:lstStyle/>
+          <a:p>
+            <a:pPr marL="0" marR="0" lvl="0" indent="0" algn="ctr" defTabSz="914400" rtl="0" eaLnBrk="1" fontAlgn="auto" latinLnBrk="0" hangingPunct="1">
+              <a:lnSpc>
+                <a:spcPct val="100000"/>
+              </a:lnSpc>
+              <a:spcBef>
+                <a:spcPts val="0"/>
+              </a:spcBef>
+              <a:spcAft>
+                <a:spcPts val="0"/>
+              </a:spcAft>
+              <a:buClrTx/>
+              <a:buSzTx/>
+              <a:buFontTx/>
+              <a:buNone/>
+              <a:tabLst/>
+              <a:defRPr/>
+            </a:pPr>
+            <a:endParaRPr kumimoji="0" lang="en-US" sz="1800" b="0" i="0" u="none" strike="noStrike" kern="1200" cap="none" spc="0" normalizeH="0" baseline="0" noProof="0">
+              <a:ln>
+                <a:noFill/>
+              </a:ln>
+              <a:solidFill>
+                <a:prstClr val="white"/>
+              </a:solidFill>
+              <a:effectLst/>
+              <a:uLnTx/>
+              <a:uFillTx/>
+              <a:latin typeface="Calibri" panose="020F0502020204030204"/>
+              <a:ea typeface="+mn-ea"/>
+              <a:cs typeface="+mn-cs"/>
+            </a:endParaRPr>
+          </a:p>
+        </p:txBody>
+      </p:sp>
+      <p:pic>
+        <p:nvPicPr>
+          <p:cNvPr id="4" name="Content Placeholder 3" descr="A screenshot of a computer program&#10;&#10;Description automatically generated">
+            <a:extLst>
+              <a:ext uri="{FF2B5EF4-FFF2-40B4-BE49-F238E27FC236}">
+                <a16:creationId xmlns:a16="http://schemas.microsoft.com/office/drawing/2014/main" id="{211A18C2-5B96-9137-B38F-7CB4D04F9644}"/>
+              </a:ext>
+            </a:extLst>
+          </p:cNvPr>
+          <p:cNvPicPr>
+            <a:picLocks noGrp="1" noChangeAspect="1"/>
+          </p:cNvPicPr>
+          <p:nvPr>
+            <p:ph idx="1"/>
+          </p:nvPr>
+        </p:nvPicPr>
+        <p:blipFill>
+          <a:blip r:embed="rId2"/>
+          <a:stretch>
+            <a:fillRect/>
+          </a:stretch>
+        </p:blipFill>
+        <p:spPr>
+          <a:xfrm>
+            <a:off x="5374472" y="625683"/>
+            <a:ext cx="5826634" cy="5455380"/>
+          </a:xfrm>
+          <a:prstGeom prst="rect">
+            <a:avLst/>
+          </a:prstGeom>
+        </p:spPr>
+      </p:pic>
+    </p:spTree>
+    <p:extLst>
+      <p:ext uri="{BB962C8B-B14F-4D97-AF65-F5344CB8AC3E}">
+        <p14:creationId xmlns:p14="http://schemas.microsoft.com/office/powerpoint/2010/main" val="2190165847"/>
+      </p:ext>
+    </p:extLst>
+  </p:cSld>
+  <p:clrMapOvr>
+    <a:masterClrMapping/>
+  </p:clrMapOvr>
+</p:sld>
+</file>
+
+<file path=ppt/slides/slide6.xml><?xml version="1.0" encoding="utf-8"?>
 <p:sld xmlns:a="http://schemas.openxmlformats.org/drawingml/2006/main" xmlns:r="http://schemas.openxmlformats.org/officeDocument/2006/relationships" xmlns:p="http://schemas.openxmlformats.org/presentationml/2006/main">
   <p:cSld>
     <p:spTree>
@@ -5561,7 +8780,7 @@
           <p:cNvPr id="2" name="Title 1">
             <a:extLst>
               <a:ext uri="{FF2B5EF4-FFF2-40B4-BE49-F238E27FC236}">
-                <a16:creationId xmlns:a16="http://schemas.microsoft.com/office/drawing/2014/main" id="{90E903BC-07AA-D0D6-CD3D-6183E01F7CCE}"/>
+                <a16:creationId xmlns:a16="http://schemas.microsoft.com/office/drawing/2014/main" id="{F0AB4E29-4BAC-97C8-2F49-21E1FF502F63}"/>
               </a:ext>
             </a:extLst>
           </p:cNvPr>
@@ -5574,26 +8793,28 @@
         </p:nvSpPr>
         <p:spPr/>
         <p:txBody>
-          <a:bodyPr/>
+          <a:bodyPr>
+            <a:normAutofit/>
+          </a:bodyPr>
           <a:lstStyle/>
           <a:p>
             <a:r>
-              <a:rPr lang="en-US" dirty="0" err="1"/>
-              <a:t>Microbit</a:t>
+              <a:rPr lang="en-US" sz="5000" dirty="0">
+                <a:ea typeface="+mj-lt"/>
+                <a:cs typeface="+mj-lt"/>
+              </a:rPr>
+              <a:t>Advanced Requirements</a:t>
             </a:r>
-            <a:r>
-              <a:rPr lang="en-US" dirty="0"/>
-              <a:t>:</a:t>
-            </a:r>
-          </a:p>
-        </p:txBody>
-      </p:sp>
-      <p:sp>
-        <p:nvSpPr>
-          <p:cNvPr id="3" name="Content Placeholder 2">
-            <a:extLst>
-              <a:ext uri="{FF2B5EF4-FFF2-40B4-BE49-F238E27FC236}">
-                <a16:creationId xmlns:a16="http://schemas.microsoft.com/office/drawing/2014/main" id="{120800EC-B8DB-7D40-5D42-85D552A9EF72}"/>
+            <a:endParaRPr lang="en-US" sz="5000" dirty="0"/>
+          </a:p>
+        </p:txBody>
+      </p:sp>
+      <p:sp>
+        <p:nvSpPr>
+          <p:cNvPr id="3" name="Text Placeholder 2">
+            <a:extLst>
+              <a:ext uri="{FF2B5EF4-FFF2-40B4-BE49-F238E27FC236}">
+                <a16:creationId xmlns:a16="http://schemas.microsoft.com/office/drawing/2014/main" id="{4FD484F6-51A2-FBF4-41DA-0EAA0486BBE8}"/>
               </a:ext>
             </a:extLst>
           </p:cNvPr>
@@ -5601,7 +8822,7 @@
             <a:spLocks noGrp="1"/>
           </p:cNvSpPr>
           <p:nvPr>
-            <p:ph idx="1"/>
+            <p:ph type="body" idx="1"/>
           </p:nvPr>
         </p:nvSpPr>
         <p:spPr/>
@@ -5616,7 +8837,1520 @@
     </p:spTree>
     <p:extLst>
       <p:ext uri="{BB962C8B-B14F-4D97-AF65-F5344CB8AC3E}">
-        <p14:creationId xmlns:p14="http://schemas.microsoft.com/office/powerpoint/2010/main" val="2082247280"/>
+        <p14:creationId xmlns:p14="http://schemas.microsoft.com/office/powerpoint/2010/main" val="2274116759"/>
+      </p:ext>
+    </p:extLst>
+  </p:cSld>
+  <p:clrMapOvr>
+    <a:masterClrMapping/>
+  </p:clrMapOvr>
+</p:sld>
+</file>
+
+<file path=ppt/slides/slide7.xml><?xml version="1.0" encoding="utf-8"?>
+<p:sld xmlns:a="http://schemas.openxmlformats.org/drawingml/2006/main" xmlns:r="http://schemas.openxmlformats.org/officeDocument/2006/relationships" xmlns:p="http://schemas.openxmlformats.org/presentationml/2006/main">
+  <p:cSld>
+    <p:bg>
+      <p:bgPr>
+        <a:solidFill>
+          <a:schemeClr val="bg1"/>
+        </a:solidFill>
+        <a:effectLst/>
+      </p:bgPr>
+    </p:bg>
+    <p:spTree>
+      <p:nvGrpSpPr>
+        <p:cNvPr id="1" name=""/>
+        <p:cNvGrpSpPr/>
+        <p:nvPr/>
+      </p:nvGrpSpPr>
+      <p:grpSpPr>
+        <a:xfrm>
+          <a:off x="0" y="0"/>
+          <a:ext cx="0" cy="0"/>
+          <a:chOff x="0" y="0"/>
+          <a:chExt cx="0" cy="0"/>
+        </a:xfrm>
+      </p:grpSpPr>
+      <p:sp useBgFill="1">
+        <p:nvSpPr>
+          <p:cNvPr id="13" name="Rectangle 12">
+            <a:extLst>
+              <a:ext uri="{FF2B5EF4-FFF2-40B4-BE49-F238E27FC236}">
+                <a16:creationId xmlns:a16="http://schemas.microsoft.com/office/drawing/2014/main" id="{385E1BDC-A9B0-4A87-82E3-F3187F69A802}"/>
+              </a:ext>
+              <a:ext uri="{C183D7F6-B498-43B3-948B-1728B52AA6E4}">
+                <adec:decorative xmlns:adec="http://schemas.microsoft.com/office/drawing/2017/decorative" val="1"/>
+              </a:ext>
+            </a:extLst>
+          </p:cNvPr>
+          <p:cNvSpPr>
+            <a:spLocks noGrp="1" noRot="1" noChangeAspect="1" noMove="1" noResize="1" noEditPoints="1" noAdjustHandles="1" noChangeArrowheads="1" noChangeShapeType="1" noTextEdit="1"/>
+          </p:cNvSpPr>
+          <p:nvPr>
+            <p:extLst>
+              <p:ext uri="{386F3935-93C4-4BCD-93E2-E3B085C9AB24}">
+                <p16:designElem xmlns:p16="http://schemas.microsoft.com/office/powerpoint/2015/main" val="1"/>
+              </p:ext>
+            </p:extLst>
+          </p:nvPr>
+        </p:nvSpPr>
+        <p:spPr>
+          <a:xfrm>
+            <a:off x="0" y="0"/>
+            <a:ext cx="12192000" cy="6858000"/>
+          </a:xfrm>
+          <a:prstGeom prst="rect">
+            <a:avLst/>
+          </a:prstGeom>
+          <a:ln>
+            <a:noFill/>
+          </a:ln>
+        </p:spPr>
+        <p:style>
+          <a:lnRef idx="2">
+            <a:schemeClr val="accent1">
+              <a:shade val="50000"/>
+            </a:schemeClr>
+          </a:lnRef>
+          <a:fillRef idx="1">
+            <a:schemeClr val="accent1"/>
+          </a:fillRef>
+          <a:effectRef idx="0">
+            <a:schemeClr val="accent1"/>
+          </a:effectRef>
+          <a:fontRef idx="minor">
+            <a:schemeClr val="lt1"/>
+          </a:fontRef>
+        </p:style>
+        <p:txBody>
+          <a:bodyPr rtlCol="0" anchor="ctr"/>
+          <a:lstStyle/>
+          <a:p>
+            <a:pPr algn="ctr"/>
+            <a:endParaRPr lang="en-US"/>
+          </a:p>
+        </p:txBody>
+      </p:sp>
+      <p:sp useBgFill="1">
+        <p:nvSpPr>
+          <p:cNvPr id="15" name="Rectangle 14">
+            <a:extLst>
+              <a:ext uri="{FF2B5EF4-FFF2-40B4-BE49-F238E27FC236}">
+                <a16:creationId xmlns:a16="http://schemas.microsoft.com/office/drawing/2014/main" id="{0990C621-3B8B-4820-8328-D47EF7CE823C}"/>
+              </a:ext>
+              <a:ext uri="{C183D7F6-B498-43B3-948B-1728B52AA6E4}">
+                <adec:decorative xmlns:adec="http://schemas.microsoft.com/office/drawing/2017/decorative" val="1"/>
+              </a:ext>
+            </a:extLst>
+          </p:cNvPr>
+          <p:cNvSpPr>
+            <a:spLocks noGrp="1" noRot="1" noChangeAspect="1" noMove="1" noResize="1" noEditPoints="1" noAdjustHandles="1" noChangeArrowheads="1" noChangeShapeType="1" noTextEdit="1"/>
+          </p:cNvSpPr>
+          <p:nvPr>
+            <p:extLst>
+              <p:ext uri="{386F3935-93C4-4BCD-93E2-E3B085C9AB24}">
+                <p16:designElem xmlns:p16="http://schemas.microsoft.com/office/powerpoint/2015/main" val="1"/>
+              </p:ext>
+            </p:extLst>
+          </p:nvPr>
+        </p:nvSpPr>
+        <p:spPr>
+          <a:xfrm>
+            <a:off x="554416" y="365125"/>
+            <a:ext cx="11167447" cy="2089317"/>
+          </a:xfrm>
+          <a:prstGeom prst="rect">
+            <a:avLst/>
+          </a:prstGeom>
+          <a:ln w="12700">
+            <a:solidFill>
+              <a:schemeClr val="tx2">
+                <a:lumMod val="10000"/>
+                <a:lumOff val="90000"/>
+              </a:schemeClr>
+            </a:solidFill>
+          </a:ln>
+          <a:effectLst>
+            <a:outerShdw blurRad="50800" dist="38100" dir="2700000" algn="tl" rotWithShape="0">
+              <a:schemeClr val="bg2">
+                <a:lumMod val="85000"/>
+                <a:alpha val="30000"/>
+              </a:schemeClr>
+            </a:outerShdw>
+          </a:effectLst>
+        </p:spPr>
+        <p:style>
+          <a:lnRef idx="2">
+            <a:schemeClr val="accent1">
+              <a:shade val="50000"/>
+            </a:schemeClr>
+          </a:lnRef>
+          <a:fillRef idx="1">
+            <a:schemeClr val="accent1"/>
+          </a:fillRef>
+          <a:effectRef idx="0">
+            <a:schemeClr val="accent1"/>
+          </a:effectRef>
+          <a:fontRef idx="minor">
+            <a:schemeClr val="lt1"/>
+          </a:fontRef>
+        </p:style>
+        <p:txBody>
+          <a:bodyPr rtlCol="0" anchor="ctr"/>
+          <a:lstStyle/>
+          <a:p>
+            <a:pPr marL="0" marR="0" lvl="0" indent="0" algn="ctr" defTabSz="914400" rtl="0" eaLnBrk="1" fontAlgn="auto" latinLnBrk="0" hangingPunct="1">
+              <a:lnSpc>
+                <a:spcPct val="100000"/>
+              </a:lnSpc>
+              <a:spcBef>
+                <a:spcPts val="0"/>
+              </a:spcBef>
+              <a:spcAft>
+                <a:spcPts val="0"/>
+              </a:spcAft>
+              <a:buClrTx/>
+              <a:buSzTx/>
+              <a:buFontTx/>
+              <a:buNone/>
+              <a:tabLst/>
+              <a:defRPr/>
+            </a:pPr>
+            <a:endParaRPr kumimoji="0" lang="en-US" sz="1800" b="0" i="0" u="none" strike="noStrike" kern="1200" cap="none" spc="0" normalizeH="0" baseline="0" noProof="0">
+              <a:ln>
+                <a:noFill/>
+              </a:ln>
+              <a:solidFill>
+                <a:prstClr val="white"/>
+              </a:solidFill>
+              <a:effectLst/>
+              <a:uLnTx/>
+              <a:uFillTx/>
+              <a:latin typeface="Calibri" panose="020F0502020204030204"/>
+              <a:ea typeface="+mn-ea"/>
+              <a:cs typeface="+mn-cs"/>
+            </a:endParaRPr>
+          </a:p>
+        </p:txBody>
+      </p:sp>
+      <p:sp>
+        <p:nvSpPr>
+          <p:cNvPr id="2" name="Title 1">
+            <a:extLst>
+              <a:ext uri="{FF2B5EF4-FFF2-40B4-BE49-F238E27FC236}">
+                <a16:creationId xmlns:a16="http://schemas.microsoft.com/office/drawing/2014/main" id="{05A4AE3F-3F50-58B5-9E0D-C9C76E04DDF7}"/>
+              </a:ext>
+            </a:extLst>
+          </p:cNvPr>
+          <p:cNvSpPr>
+            <a:spLocks noGrp="1"/>
+          </p:cNvSpPr>
+          <p:nvPr>
+            <p:ph type="title"/>
+          </p:nvPr>
+        </p:nvSpPr>
+        <p:spPr>
+          <a:xfrm>
+            <a:off x="1051560" y="586822"/>
+            <a:ext cx="3538728" cy="1645920"/>
+          </a:xfrm>
+        </p:spPr>
+        <p:txBody>
+          <a:bodyPr>
+            <a:normAutofit/>
+          </a:bodyPr>
+          <a:lstStyle/>
+          <a:p>
+            <a:r>
+              <a:rPr lang="en-US" sz="3200">
+                <a:ea typeface="+mj-lt"/>
+                <a:cs typeface="+mj-lt"/>
+              </a:rPr>
+              <a:t>Advanced Requirement 2: 1st What if</a:t>
+            </a:r>
+            <a:endParaRPr lang="en-US" sz="3200"/>
+          </a:p>
+        </p:txBody>
+      </p:sp>
+      <p:sp>
+        <p:nvSpPr>
+          <p:cNvPr id="17" name="Rectangle 16">
+            <a:extLst>
+              <a:ext uri="{FF2B5EF4-FFF2-40B4-BE49-F238E27FC236}">
+                <a16:creationId xmlns:a16="http://schemas.microsoft.com/office/drawing/2014/main" id="{C1A2385B-1D2A-4E17-84FA-6CB7F0AAE473}"/>
+              </a:ext>
+              <a:ext uri="{C183D7F6-B498-43B3-948B-1728B52AA6E4}">
+                <adec:decorative xmlns:adec="http://schemas.microsoft.com/office/drawing/2017/decorative" val="1"/>
+              </a:ext>
+            </a:extLst>
+          </p:cNvPr>
+          <p:cNvSpPr>
+            <a:spLocks noGrp="1" noRot="1" noChangeAspect="1" noMove="1" noResize="1" noEditPoints="1" noAdjustHandles="1" noChangeArrowheads="1" noChangeShapeType="1" noTextEdit="1"/>
+          </p:cNvSpPr>
+          <p:nvPr>
+            <p:extLst>
+              <p:ext uri="{386F3935-93C4-4BCD-93E2-E3B085C9AB24}">
+                <p16:designElem xmlns:p16="http://schemas.microsoft.com/office/powerpoint/2015/main" val="1"/>
+              </p:ext>
+            </p:extLst>
+          </p:nvPr>
+        </p:nvSpPr>
+        <p:spPr>
+          <a:xfrm>
+            <a:off x="490408" y="1057739"/>
+            <a:ext cx="128016" cy="704088"/>
+          </a:xfrm>
+          <a:prstGeom prst="rect">
+            <a:avLst/>
+          </a:prstGeom>
+          <a:solidFill>
+            <a:schemeClr val="accent1"/>
+          </a:solidFill>
+          <a:ln>
+            <a:noFill/>
+          </a:ln>
+        </p:spPr>
+        <p:style>
+          <a:lnRef idx="2">
+            <a:schemeClr val="accent1">
+              <a:shade val="50000"/>
+            </a:schemeClr>
+          </a:lnRef>
+          <a:fillRef idx="1">
+            <a:schemeClr val="accent1"/>
+          </a:fillRef>
+          <a:effectRef idx="0">
+            <a:schemeClr val="accent1"/>
+          </a:effectRef>
+          <a:fontRef idx="minor">
+            <a:schemeClr val="lt1"/>
+          </a:fontRef>
+        </p:style>
+        <p:txBody>
+          <a:bodyPr rtlCol="0" anchor="ctr"/>
+          <a:lstStyle/>
+          <a:p>
+            <a:pPr marL="0" marR="0" lvl="0" indent="0" algn="ctr" defTabSz="914400" rtl="0" eaLnBrk="1" fontAlgn="auto" latinLnBrk="0" hangingPunct="1">
+              <a:lnSpc>
+                <a:spcPct val="100000"/>
+              </a:lnSpc>
+              <a:spcBef>
+                <a:spcPts val="0"/>
+              </a:spcBef>
+              <a:spcAft>
+                <a:spcPts val="0"/>
+              </a:spcAft>
+              <a:buClrTx/>
+              <a:buSzTx/>
+              <a:buFontTx/>
+              <a:buNone/>
+              <a:tabLst/>
+              <a:defRPr/>
+            </a:pPr>
+            <a:endParaRPr kumimoji="0" lang="en-US" sz="1800" b="0" i="0" u="none" strike="noStrike" kern="1200" cap="none" spc="0" normalizeH="0" baseline="0" noProof="0" dirty="0">
+              <a:ln>
+                <a:noFill/>
+              </a:ln>
+              <a:solidFill>
+                <a:prstClr val="white"/>
+              </a:solidFill>
+              <a:effectLst/>
+              <a:uLnTx/>
+              <a:uFillTx/>
+              <a:latin typeface="Calibri" panose="020F0502020204030204"/>
+              <a:ea typeface="+mn-ea"/>
+              <a:cs typeface="+mn-cs"/>
+            </a:endParaRPr>
+          </a:p>
+        </p:txBody>
+      </p:sp>
+      <p:sp>
+        <p:nvSpPr>
+          <p:cNvPr id="19" name="Rectangle 18">
+            <a:extLst>
+              <a:ext uri="{FF2B5EF4-FFF2-40B4-BE49-F238E27FC236}">
+                <a16:creationId xmlns:a16="http://schemas.microsoft.com/office/drawing/2014/main" id="{5E791F2F-79DB-4CC0-9FA1-001E3E91E8B7}"/>
+              </a:ext>
+              <a:ext uri="{C183D7F6-B498-43B3-948B-1728B52AA6E4}">
+                <adec:decorative xmlns:adec="http://schemas.microsoft.com/office/drawing/2017/decorative" val="1"/>
+              </a:ext>
+            </a:extLst>
+          </p:cNvPr>
+          <p:cNvSpPr>
+            <a:spLocks noGrp="1" noRot="1" noChangeAspect="1" noMove="1" noResize="1" noEditPoints="1" noAdjustHandles="1" noChangeArrowheads="1" noChangeShapeType="1" noTextEdit="1"/>
+          </p:cNvSpPr>
+          <p:nvPr>
+            <p:extLst>
+              <p:ext uri="{386F3935-93C4-4BCD-93E2-E3B085C9AB24}">
+                <p16:designElem xmlns:p16="http://schemas.microsoft.com/office/powerpoint/2015/main" val="1"/>
+              </p:ext>
+            </p:extLst>
+          </p:nvPr>
+        </p:nvSpPr>
+        <p:spPr>
+          <a:xfrm rot="5400000">
+            <a:off x="4248113" y="1405210"/>
+            <a:ext cx="1463040" cy="9144"/>
+          </a:xfrm>
+          <a:prstGeom prst="rect">
+            <a:avLst/>
+          </a:prstGeom>
+          <a:solidFill>
+            <a:schemeClr val="tx2">
+              <a:lumMod val="25000"/>
+              <a:lumOff val="75000"/>
+            </a:schemeClr>
+          </a:solidFill>
+          <a:ln w="3175">
+            <a:noFill/>
+          </a:ln>
+          <a:effectLst/>
+        </p:spPr>
+        <p:style>
+          <a:lnRef idx="2">
+            <a:schemeClr val="accent1">
+              <a:shade val="50000"/>
+            </a:schemeClr>
+          </a:lnRef>
+          <a:fillRef idx="1">
+            <a:schemeClr val="accent1"/>
+          </a:fillRef>
+          <a:effectRef idx="0">
+            <a:schemeClr val="accent1"/>
+          </a:effectRef>
+          <a:fontRef idx="minor">
+            <a:schemeClr val="lt1"/>
+          </a:fontRef>
+        </p:style>
+        <p:txBody>
+          <a:bodyPr rtlCol="0" anchor="ctr"/>
+          <a:lstStyle/>
+          <a:p>
+            <a:pPr marL="0" marR="0" lvl="0" indent="0" algn="ctr" defTabSz="914400" rtl="0" eaLnBrk="1" fontAlgn="auto" latinLnBrk="0" hangingPunct="1">
+              <a:lnSpc>
+                <a:spcPct val="100000"/>
+              </a:lnSpc>
+              <a:spcBef>
+                <a:spcPts val="0"/>
+              </a:spcBef>
+              <a:spcAft>
+                <a:spcPts val="0"/>
+              </a:spcAft>
+              <a:buClrTx/>
+              <a:buSzTx/>
+              <a:buFontTx/>
+              <a:buNone/>
+              <a:tabLst/>
+              <a:defRPr/>
+            </a:pPr>
+            <a:endParaRPr kumimoji="0" lang="en-US" sz="1800" b="0" i="0" u="none" strike="noStrike" kern="1200" cap="none" spc="0" normalizeH="0" baseline="0" noProof="0">
+              <a:ln>
+                <a:noFill/>
+              </a:ln>
+              <a:solidFill>
+                <a:prstClr val="white"/>
+              </a:solidFill>
+              <a:effectLst/>
+              <a:uLnTx/>
+              <a:uFillTx/>
+              <a:latin typeface="Calibri" panose="020F0502020204030204"/>
+              <a:ea typeface="+mn-ea"/>
+              <a:cs typeface="+mn-cs"/>
+            </a:endParaRPr>
+          </a:p>
+        </p:txBody>
+      </p:sp>
+      <p:sp>
+        <p:nvSpPr>
+          <p:cNvPr id="10" name="Content Placeholder 9">
+            <a:extLst>
+              <a:ext uri="{FF2B5EF4-FFF2-40B4-BE49-F238E27FC236}">
+                <a16:creationId xmlns:a16="http://schemas.microsoft.com/office/drawing/2014/main" id="{E9BA422F-7C1C-07CB-1F41-4B0965B21BBD}"/>
+              </a:ext>
+            </a:extLst>
+          </p:cNvPr>
+          <p:cNvSpPr>
+            <a:spLocks noGrp="1"/>
+          </p:cNvSpPr>
+          <p:nvPr>
+            <p:ph idx="1"/>
+          </p:nvPr>
+        </p:nvSpPr>
+        <p:spPr>
+          <a:xfrm>
+            <a:off x="5349240" y="586822"/>
+            <a:ext cx="6007608" cy="1645920"/>
+          </a:xfrm>
+        </p:spPr>
+        <p:txBody>
+          <a:bodyPr anchor="ctr">
+            <a:normAutofit/>
+          </a:bodyPr>
+          <a:lstStyle/>
+          <a:p>
+            <a:endParaRPr lang="en-US" sz="1800"/>
+          </a:p>
+        </p:txBody>
+      </p:sp>
+      <p:pic>
+        <p:nvPicPr>
+          <p:cNvPr id="6" name="Picture 5" descr="A computer screen shot of text&#10;&#10;Description automatically generated">
+            <a:extLst>
+              <a:ext uri="{FF2B5EF4-FFF2-40B4-BE49-F238E27FC236}">
+                <a16:creationId xmlns:a16="http://schemas.microsoft.com/office/drawing/2014/main" id="{2C930A23-57B8-9DE0-DC87-5A4583A4BA2C}"/>
+              </a:ext>
+            </a:extLst>
+          </p:cNvPr>
+          <p:cNvPicPr>
+            <a:picLocks noChangeAspect="1"/>
+          </p:cNvPicPr>
+          <p:nvPr/>
+        </p:nvPicPr>
+        <p:blipFill>
+          <a:blip r:embed="rId2"/>
+          <a:stretch>
+            <a:fillRect/>
+          </a:stretch>
+        </p:blipFill>
+        <p:spPr>
+          <a:xfrm>
+            <a:off x="557783" y="2830134"/>
+            <a:ext cx="5481509" cy="3282389"/>
+          </a:xfrm>
+          <a:prstGeom prst="rect">
+            <a:avLst/>
+          </a:prstGeom>
+        </p:spPr>
+      </p:pic>
+      <p:pic>
+        <p:nvPicPr>
+          <p:cNvPr id="5" name="Content Placeholder 4" descr="A computer screen shot of text&#10;&#10;Description automatically generated">
+            <a:extLst>
+              <a:ext uri="{FF2B5EF4-FFF2-40B4-BE49-F238E27FC236}">
+                <a16:creationId xmlns:a16="http://schemas.microsoft.com/office/drawing/2014/main" id="{8E8D1062-235B-24D2-1A38-74694FC0C1DB}"/>
+              </a:ext>
+            </a:extLst>
+          </p:cNvPr>
+          <p:cNvPicPr>
+            <a:picLocks noChangeAspect="1"/>
+          </p:cNvPicPr>
+          <p:nvPr/>
+        </p:nvPicPr>
+        <p:blipFill>
+          <a:blip r:embed="rId3"/>
+          <a:stretch>
+            <a:fillRect/>
+          </a:stretch>
+        </p:blipFill>
+        <p:spPr>
+          <a:xfrm>
+            <a:off x="6198781" y="3169460"/>
+            <a:ext cx="5523082" cy="2603738"/>
+          </a:xfrm>
+          <a:prstGeom prst="rect">
+            <a:avLst/>
+          </a:prstGeom>
+        </p:spPr>
+      </p:pic>
+    </p:spTree>
+    <p:extLst>
+      <p:ext uri="{BB962C8B-B14F-4D97-AF65-F5344CB8AC3E}">
+        <p14:creationId xmlns:p14="http://schemas.microsoft.com/office/powerpoint/2010/main" val="2357143140"/>
+      </p:ext>
+    </p:extLst>
+  </p:cSld>
+  <p:clrMapOvr>
+    <a:masterClrMapping/>
+  </p:clrMapOvr>
+</p:sld>
+</file>
+
+<file path=ppt/slides/slide8.xml><?xml version="1.0" encoding="utf-8"?>
+<p:sld xmlns:a="http://schemas.openxmlformats.org/drawingml/2006/main" xmlns:r="http://schemas.openxmlformats.org/officeDocument/2006/relationships" xmlns:p="http://schemas.openxmlformats.org/presentationml/2006/main">
+  <p:cSld>
+    <p:bg>
+      <p:bgPr>
+        <a:solidFill>
+          <a:schemeClr val="bg1"/>
+        </a:solidFill>
+        <a:effectLst/>
+      </p:bgPr>
+    </p:bg>
+    <p:spTree>
+      <p:nvGrpSpPr>
+        <p:cNvPr id="1" name=""/>
+        <p:cNvGrpSpPr/>
+        <p:nvPr/>
+      </p:nvGrpSpPr>
+      <p:grpSpPr>
+        <a:xfrm>
+          <a:off x="0" y="0"/>
+          <a:ext cx="0" cy="0"/>
+          <a:chOff x="0" y="0"/>
+          <a:chExt cx="0" cy="0"/>
+        </a:xfrm>
+      </p:grpSpPr>
+      <p:sp useBgFill="1">
+        <p:nvSpPr>
+          <p:cNvPr id="12" name="Rectangle 11">
+            <a:extLst>
+              <a:ext uri="{FF2B5EF4-FFF2-40B4-BE49-F238E27FC236}">
+                <a16:creationId xmlns:a16="http://schemas.microsoft.com/office/drawing/2014/main" id="{385E1BDC-A9B0-4A87-82E3-F3187F69A802}"/>
+              </a:ext>
+              <a:ext uri="{C183D7F6-B498-43B3-948B-1728B52AA6E4}">
+                <adec:decorative xmlns:adec="http://schemas.microsoft.com/office/drawing/2017/decorative" val="1"/>
+              </a:ext>
+            </a:extLst>
+          </p:cNvPr>
+          <p:cNvSpPr>
+            <a:spLocks noGrp="1" noRot="1" noChangeAspect="1" noMove="1" noResize="1" noEditPoints="1" noAdjustHandles="1" noChangeArrowheads="1" noChangeShapeType="1" noTextEdit="1"/>
+          </p:cNvSpPr>
+          <p:nvPr>
+            <p:extLst>
+              <p:ext uri="{386F3935-93C4-4BCD-93E2-E3B085C9AB24}">
+                <p16:designElem xmlns:p16="http://schemas.microsoft.com/office/powerpoint/2015/main" val="1"/>
+              </p:ext>
+            </p:extLst>
+          </p:nvPr>
+        </p:nvSpPr>
+        <p:spPr>
+          <a:xfrm>
+            <a:off x="0" y="0"/>
+            <a:ext cx="12192000" cy="6858000"/>
+          </a:xfrm>
+          <a:prstGeom prst="rect">
+            <a:avLst/>
+          </a:prstGeom>
+          <a:ln>
+            <a:noFill/>
+          </a:ln>
+        </p:spPr>
+        <p:style>
+          <a:lnRef idx="2">
+            <a:schemeClr val="accent1">
+              <a:shade val="50000"/>
+            </a:schemeClr>
+          </a:lnRef>
+          <a:fillRef idx="1">
+            <a:schemeClr val="accent1"/>
+          </a:fillRef>
+          <a:effectRef idx="0">
+            <a:schemeClr val="accent1"/>
+          </a:effectRef>
+          <a:fontRef idx="minor">
+            <a:schemeClr val="lt1"/>
+          </a:fontRef>
+        </p:style>
+        <p:txBody>
+          <a:bodyPr rtlCol="0" anchor="ctr"/>
+          <a:lstStyle/>
+          <a:p>
+            <a:pPr algn="ctr"/>
+            <a:endParaRPr lang="en-US"/>
+          </a:p>
+        </p:txBody>
+      </p:sp>
+      <p:sp useBgFill="1">
+        <p:nvSpPr>
+          <p:cNvPr id="14" name="Rectangle 13">
+            <a:extLst>
+              <a:ext uri="{FF2B5EF4-FFF2-40B4-BE49-F238E27FC236}">
+                <a16:creationId xmlns:a16="http://schemas.microsoft.com/office/drawing/2014/main" id="{0990C621-3B8B-4820-8328-D47EF7CE823C}"/>
+              </a:ext>
+              <a:ext uri="{C183D7F6-B498-43B3-948B-1728B52AA6E4}">
+                <adec:decorative xmlns:adec="http://schemas.microsoft.com/office/drawing/2017/decorative" val="1"/>
+              </a:ext>
+            </a:extLst>
+          </p:cNvPr>
+          <p:cNvSpPr>
+            <a:spLocks noGrp="1" noRot="1" noChangeAspect="1" noMove="1" noResize="1" noEditPoints="1" noAdjustHandles="1" noChangeArrowheads="1" noChangeShapeType="1" noTextEdit="1"/>
+          </p:cNvSpPr>
+          <p:nvPr>
+            <p:extLst>
+              <p:ext uri="{386F3935-93C4-4BCD-93E2-E3B085C9AB24}">
+                <p16:designElem xmlns:p16="http://schemas.microsoft.com/office/powerpoint/2015/main" val="1"/>
+              </p:ext>
+            </p:extLst>
+          </p:nvPr>
+        </p:nvSpPr>
+        <p:spPr>
+          <a:xfrm>
+            <a:off x="554416" y="365125"/>
+            <a:ext cx="11167447" cy="2089317"/>
+          </a:xfrm>
+          <a:prstGeom prst="rect">
+            <a:avLst/>
+          </a:prstGeom>
+          <a:ln w="12700">
+            <a:solidFill>
+              <a:schemeClr val="tx2">
+                <a:lumMod val="10000"/>
+                <a:lumOff val="90000"/>
+              </a:schemeClr>
+            </a:solidFill>
+          </a:ln>
+          <a:effectLst>
+            <a:outerShdw blurRad="50800" dist="38100" dir="2700000" algn="tl" rotWithShape="0">
+              <a:schemeClr val="bg2">
+                <a:lumMod val="85000"/>
+                <a:alpha val="30000"/>
+              </a:schemeClr>
+            </a:outerShdw>
+          </a:effectLst>
+        </p:spPr>
+        <p:style>
+          <a:lnRef idx="2">
+            <a:schemeClr val="accent1">
+              <a:shade val="50000"/>
+            </a:schemeClr>
+          </a:lnRef>
+          <a:fillRef idx="1">
+            <a:schemeClr val="accent1"/>
+          </a:fillRef>
+          <a:effectRef idx="0">
+            <a:schemeClr val="accent1"/>
+          </a:effectRef>
+          <a:fontRef idx="minor">
+            <a:schemeClr val="lt1"/>
+          </a:fontRef>
+        </p:style>
+        <p:txBody>
+          <a:bodyPr rtlCol="0" anchor="ctr"/>
+          <a:lstStyle/>
+          <a:p>
+            <a:pPr marL="0" marR="0" lvl="0" indent="0" algn="ctr" defTabSz="914400" rtl="0" eaLnBrk="1" fontAlgn="auto" latinLnBrk="0" hangingPunct="1">
+              <a:lnSpc>
+                <a:spcPct val="100000"/>
+              </a:lnSpc>
+              <a:spcBef>
+                <a:spcPts val="0"/>
+              </a:spcBef>
+              <a:spcAft>
+                <a:spcPts val="0"/>
+              </a:spcAft>
+              <a:buClrTx/>
+              <a:buSzTx/>
+              <a:buFontTx/>
+              <a:buNone/>
+              <a:tabLst/>
+              <a:defRPr/>
+            </a:pPr>
+            <a:endParaRPr kumimoji="0" lang="en-US" sz="1800" b="0" i="0" u="none" strike="noStrike" kern="1200" cap="none" spc="0" normalizeH="0" baseline="0" noProof="0">
+              <a:ln>
+                <a:noFill/>
+              </a:ln>
+              <a:solidFill>
+                <a:prstClr val="white"/>
+              </a:solidFill>
+              <a:effectLst/>
+              <a:uLnTx/>
+              <a:uFillTx/>
+              <a:latin typeface="Calibri" panose="020F0502020204030204"/>
+              <a:ea typeface="+mn-ea"/>
+              <a:cs typeface="+mn-cs"/>
+            </a:endParaRPr>
+          </a:p>
+        </p:txBody>
+      </p:sp>
+      <p:sp>
+        <p:nvSpPr>
+          <p:cNvPr id="2" name="Title 1">
+            <a:extLst>
+              <a:ext uri="{FF2B5EF4-FFF2-40B4-BE49-F238E27FC236}">
+                <a16:creationId xmlns:a16="http://schemas.microsoft.com/office/drawing/2014/main" id="{B37DE255-D05C-CEFE-E8BA-5EB8A2554F9D}"/>
+              </a:ext>
+            </a:extLst>
+          </p:cNvPr>
+          <p:cNvSpPr>
+            <a:spLocks noGrp="1"/>
+          </p:cNvSpPr>
+          <p:nvPr>
+            <p:ph type="title"/>
+          </p:nvPr>
+        </p:nvSpPr>
+        <p:spPr>
+          <a:xfrm>
+            <a:off x="1051560" y="586822"/>
+            <a:ext cx="3538728" cy="1645920"/>
+          </a:xfrm>
+        </p:spPr>
+        <p:txBody>
+          <a:bodyPr>
+            <a:normAutofit/>
+          </a:bodyPr>
+          <a:lstStyle/>
+          <a:p>
+            <a:r>
+              <a:rPr lang="en-US" sz="3200" dirty="0">
+                <a:ea typeface="+mj-lt"/>
+                <a:cs typeface="+mj-lt"/>
+              </a:rPr>
+              <a:t>Advanced Requirement 2: 2nd What if</a:t>
+            </a:r>
+            <a:endParaRPr lang="en-US" sz="3200"/>
+          </a:p>
+        </p:txBody>
+      </p:sp>
+      <p:sp>
+        <p:nvSpPr>
+          <p:cNvPr id="16" name="Rectangle 15">
+            <a:extLst>
+              <a:ext uri="{FF2B5EF4-FFF2-40B4-BE49-F238E27FC236}">
+                <a16:creationId xmlns:a16="http://schemas.microsoft.com/office/drawing/2014/main" id="{C1A2385B-1D2A-4E17-84FA-6CB7F0AAE473}"/>
+              </a:ext>
+              <a:ext uri="{C183D7F6-B498-43B3-948B-1728B52AA6E4}">
+                <adec:decorative xmlns:adec="http://schemas.microsoft.com/office/drawing/2017/decorative" val="1"/>
+              </a:ext>
+            </a:extLst>
+          </p:cNvPr>
+          <p:cNvSpPr>
+            <a:spLocks noGrp="1" noRot="1" noChangeAspect="1" noMove="1" noResize="1" noEditPoints="1" noAdjustHandles="1" noChangeArrowheads="1" noChangeShapeType="1" noTextEdit="1"/>
+          </p:cNvSpPr>
+          <p:nvPr>
+            <p:extLst>
+              <p:ext uri="{386F3935-93C4-4BCD-93E2-E3B085C9AB24}">
+                <p16:designElem xmlns:p16="http://schemas.microsoft.com/office/powerpoint/2015/main" val="1"/>
+              </p:ext>
+            </p:extLst>
+          </p:nvPr>
+        </p:nvSpPr>
+        <p:spPr>
+          <a:xfrm>
+            <a:off x="490408" y="1057739"/>
+            <a:ext cx="128016" cy="704088"/>
+          </a:xfrm>
+          <a:prstGeom prst="rect">
+            <a:avLst/>
+          </a:prstGeom>
+          <a:solidFill>
+            <a:schemeClr val="accent1"/>
+          </a:solidFill>
+          <a:ln>
+            <a:noFill/>
+          </a:ln>
+        </p:spPr>
+        <p:style>
+          <a:lnRef idx="2">
+            <a:schemeClr val="accent1">
+              <a:shade val="50000"/>
+            </a:schemeClr>
+          </a:lnRef>
+          <a:fillRef idx="1">
+            <a:schemeClr val="accent1"/>
+          </a:fillRef>
+          <a:effectRef idx="0">
+            <a:schemeClr val="accent1"/>
+          </a:effectRef>
+          <a:fontRef idx="minor">
+            <a:schemeClr val="lt1"/>
+          </a:fontRef>
+        </p:style>
+        <p:txBody>
+          <a:bodyPr rtlCol="0" anchor="ctr"/>
+          <a:lstStyle/>
+          <a:p>
+            <a:pPr marL="0" marR="0" lvl="0" indent="0" algn="ctr" defTabSz="914400" rtl="0" eaLnBrk="1" fontAlgn="auto" latinLnBrk="0" hangingPunct="1">
+              <a:lnSpc>
+                <a:spcPct val="100000"/>
+              </a:lnSpc>
+              <a:spcBef>
+                <a:spcPts val="0"/>
+              </a:spcBef>
+              <a:spcAft>
+                <a:spcPts val="0"/>
+              </a:spcAft>
+              <a:buClrTx/>
+              <a:buSzTx/>
+              <a:buFontTx/>
+              <a:buNone/>
+              <a:tabLst/>
+              <a:defRPr/>
+            </a:pPr>
+            <a:endParaRPr kumimoji="0" lang="en-US" sz="1800" b="0" i="0" u="none" strike="noStrike" kern="1200" cap="none" spc="0" normalizeH="0" baseline="0" noProof="0" dirty="0">
+              <a:ln>
+                <a:noFill/>
+              </a:ln>
+              <a:solidFill>
+                <a:prstClr val="white"/>
+              </a:solidFill>
+              <a:effectLst/>
+              <a:uLnTx/>
+              <a:uFillTx/>
+              <a:latin typeface="Calibri" panose="020F0502020204030204"/>
+              <a:ea typeface="+mn-ea"/>
+              <a:cs typeface="+mn-cs"/>
+            </a:endParaRPr>
+          </a:p>
+        </p:txBody>
+      </p:sp>
+      <p:sp>
+        <p:nvSpPr>
+          <p:cNvPr id="18" name="Rectangle 17">
+            <a:extLst>
+              <a:ext uri="{FF2B5EF4-FFF2-40B4-BE49-F238E27FC236}">
+                <a16:creationId xmlns:a16="http://schemas.microsoft.com/office/drawing/2014/main" id="{5E791F2F-79DB-4CC0-9FA1-001E3E91E8B7}"/>
+              </a:ext>
+              <a:ext uri="{C183D7F6-B498-43B3-948B-1728B52AA6E4}">
+                <adec:decorative xmlns:adec="http://schemas.microsoft.com/office/drawing/2017/decorative" val="1"/>
+              </a:ext>
+            </a:extLst>
+          </p:cNvPr>
+          <p:cNvSpPr>
+            <a:spLocks noGrp="1" noRot="1" noChangeAspect="1" noMove="1" noResize="1" noEditPoints="1" noAdjustHandles="1" noChangeArrowheads="1" noChangeShapeType="1" noTextEdit="1"/>
+          </p:cNvSpPr>
+          <p:nvPr>
+            <p:extLst>
+              <p:ext uri="{386F3935-93C4-4BCD-93E2-E3B085C9AB24}">
+                <p16:designElem xmlns:p16="http://schemas.microsoft.com/office/powerpoint/2015/main" val="1"/>
+              </p:ext>
+            </p:extLst>
+          </p:nvPr>
+        </p:nvSpPr>
+        <p:spPr>
+          <a:xfrm rot="5400000">
+            <a:off x="4248113" y="1405210"/>
+            <a:ext cx="1463040" cy="9144"/>
+          </a:xfrm>
+          <a:prstGeom prst="rect">
+            <a:avLst/>
+          </a:prstGeom>
+          <a:solidFill>
+            <a:schemeClr val="tx2">
+              <a:lumMod val="25000"/>
+              <a:lumOff val="75000"/>
+            </a:schemeClr>
+          </a:solidFill>
+          <a:ln w="3175">
+            <a:noFill/>
+          </a:ln>
+          <a:effectLst/>
+        </p:spPr>
+        <p:style>
+          <a:lnRef idx="2">
+            <a:schemeClr val="accent1">
+              <a:shade val="50000"/>
+            </a:schemeClr>
+          </a:lnRef>
+          <a:fillRef idx="1">
+            <a:schemeClr val="accent1"/>
+          </a:fillRef>
+          <a:effectRef idx="0">
+            <a:schemeClr val="accent1"/>
+          </a:effectRef>
+          <a:fontRef idx="minor">
+            <a:schemeClr val="lt1"/>
+          </a:fontRef>
+        </p:style>
+        <p:txBody>
+          <a:bodyPr rtlCol="0" anchor="ctr"/>
+          <a:lstStyle/>
+          <a:p>
+            <a:pPr marL="0" marR="0" lvl="0" indent="0" algn="ctr" defTabSz="914400" rtl="0" eaLnBrk="1" fontAlgn="auto" latinLnBrk="0" hangingPunct="1">
+              <a:lnSpc>
+                <a:spcPct val="100000"/>
+              </a:lnSpc>
+              <a:spcBef>
+                <a:spcPts val="0"/>
+              </a:spcBef>
+              <a:spcAft>
+                <a:spcPts val="0"/>
+              </a:spcAft>
+              <a:buClrTx/>
+              <a:buSzTx/>
+              <a:buFontTx/>
+              <a:buNone/>
+              <a:tabLst/>
+              <a:defRPr/>
+            </a:pPr>
+            <a:endParaRPr kumimoji="0" lang="en-US" sz="1800" b="0" i="0" u="none" strike="noStrike" kern="1200" cap="none" spc="0" normalizeH="0" baseline="0" noProof="0">
+              <a:ln>
+                <a:noFill/>
+              </a:ln>
+              <a:solidFill>
+                <a:prstClr val="white"/>
+              </a:solidFill>
+              <a:effectLst/>
+              <a:uLnTx/>
+              <a:uFillTx/>
+              <a:latin typeface="Calibri" panose="020F0502020204030204"/>
+              <a:ea typeface="+mn-ea"/>
+              <a:cs typeface="+mn-cs"/>
+            </a:endParaRPr>
+          </a:p>
+        </p:txBody>
+      </p:sp>
+      <p:sp>
+        <p:nvSpPr>
+          <p:cNvPr id="9" name="Content Placeholder 8">
+            <a:extLst>
+              <a:ext uri="{FF2B5EF4-FFF2-40B4-BE49-F238E27FC236}">
+                <a16:creationId xmlns:a16="http://schemas.microsoft.com/office/drawing/2014/main" id="{E8B97A38-F452-CB83-C9CC-9DD5F55285CC}"/>
+              </a:ext>
+            </a:extLst>
+          </p:cNvPr>
+          <p:cNvSpPr>
+            <a:spLocks noGrp="1"/>
+          </p:cNvSpPr>
+          <p:nvPr>
+            <p:ph idx="1"/>
+          </p:nvPr>
+        </p:nvSpPr>
+        <p:spPr>
+          <a:xfrm>
+            <a:off x="5349240" y="586822"/>
+            <a:ext cx="6007608" cy="1645920"/>
+          </a:xfrm>
+        </p:spPr>
+        <p:txBody>
+          <a:bodyPr anchor="ctr">
+            <a:normAutofit/>
+          </a:bodyPr>
+          <a:lstStyle/>
+          <a:p>
+            <a:endParaRPr lang="en-US" sz="1800"/>
+          </a:p>
+        </p:txBody>
+      </p:sp>
+      <p:pic>
+        <p:nvPicPr>
+          <p:cNvPr id="5" name="Picture 4" descr="A computer screen shot of code&#10;&#10;Description automatically generated">
+            <a:extLst>
+              <a:ext uri="{FF2B5EF4-FFF2-40B4-BE49-F238E27FC236}">
+                <a16:creationId xmlns:a16="http://schemas.microsoft.com/office/drawing/2014/main" id="{445FF7EB-F429-3867-9C6A-E375C7A397B7}"/>
+              </a:ext>
+            </a:extLst>
+          </p:cNvPr>
+          <p:cNvPicPr>
+            <a:picLocks noChangeAspect="1"/>
+          </p:cNvPicPr>
+          <p:nvPr/>
+        </p:nvPicPr>
+        <p:blipFill>
+          <a:blip r:embed="rId2"/>
+          <a:stretch>
+            <a:fillRect/>
+          </a:stretch>
+        </p:blipFill>
+        <p:spPr>
+          <a:xfrm>
+            <a:off x="557783" y="2888457"/>
+            <a:ext cx="5481509" cy="3165744"/>
+          </a:xfrm>
+          <a:prstGeom prst="rect">
+            <a:avLst/>
+          </a:prstGeom>
+        </p:spPr>
+      </p:pic>
+      <p:pic>
+        <p:nvPicPr>
+          <p:cNvPr id="4" name="Content Placeholder 3" descr="A computer screen shot of a program&#10;&#10;Description automatically generated">
+            <a:extLst>
+              <a:ext uri="{FF2B5EF4-FFF2-40B4-BE49-F238E27FC236}">
+                <a16:creationId xmlns:a16="http://schemas.microsoft.com/office/drawing/2014/main" id="{B1630460-D25C-8AD4-BB32-84A35E011138}"/>
+              </a:ext>
+            </a:extLst>
+          </p:cNvPr>
+          <p:cNvPicPr>
+            <a:picLocks noChangeAspect="1"/>
+          </p:cNvPicPr>
+          <p:nvPr/>
+        </p:nvPicPr>
+        <p:blipFill>
+          <a:blip r:embed="rId3"/>
+          <a:stretch>
+            <a:fillRect/>
+          </a:stretch>
+        </p:blipFill>
+        <p:spPr>
+          <a:xfrm>
+            <a:off x="6198781" y="3449559"/>
+            <a:ext cx="5523082" cy="2043540"/>
+          </a:xfrm>
+          <a:prstGeom prst="rect">
+            <a:avLst/>
+          </a:prstGeom>
+        </p:spPr>
+      </p:pic>
+    </p:spTree>
+    <p:extLst>
+      <p:ext uri="{BB962C8B-B14F-4D97-AF65-F5344CB8AC3E}">
+        <p14:creationId xmlns:p14="http://schemas.microsoft.com/office/powerpoint/2010/main" val="2136101783"/>
+      </p:ext>
+    </p:extLst>
+  </p:cSld>
+  <p:clrMapOvr>
+    <a:masterClrMapping/>
+  </p:clrMapOvr>
+</p:sld>
+</file>
+
+<file path=ppt/slides/slide9.xml><?xml version="1.0" encoding="utf-8"?>
+<p:sld xmlns:a="http://schemas.openxmlformats.org/drawingml/2006/main" xmlns:r="http://schemas.openxmlformats.org/officeDocument/2006/relationships" xmlns:p="http://schemas.openxmlformats.org/presentationml/2006/main">
+  <p:cSld>
+    <p:bg>
+      <p:bgPr>
+        <a:solidFill>
+          <a:schemeClr val="bg1"/>
+        </a:solidFill>
+        <a:effectLst/>
+      </p:bgPr>
+    </p:bg>
+    <p:spTree>
+      <p:nvGrpSpPr>
+        <p:cNvPr id="1" name=""/>
+        <p:cNvGrpSpPr/>
+        <p:nvPr/>
+      </p:nvGrpSpPr>
+      <p:grpSpPr>
+        <a:xfrm>
+          <a:off x="0" y="0"/>
+          <a:ext cx="0" cy="0"/>
+          <a:chOff x="0" y="0"/>
+          <a:chExt cx="0" cy="0"/>
+        </a:xfrm>
+      </p:grpSpPr>
+      <p:sp useBgFill="1">
+        <p:nvSpPr>
+          <p:cNvPr id="13" name="Rectangle 12">
+            <a:extLst>
+              <a:ext uri="{FF2B5EF4-FFF2-40B4-BE49-F238E27FC236}">
+                <a16:creationId xmlns:a16="http://schemas.microsoft.com/office/drawing/2014/main" id="{7301F447-EEF7-48F5-AF73-7566EE7F64AD}"/>
+              </a:ext>
+              <a:ext uri="{C183D7F6-B498-43B3-948B-1728B52AA6E4}">
+                <adec:decorative xmlns:adec="http://schemas.microsoft.com/office/drawing/2017/decorative" val="1"/>
+              </a:ext>
+            </a:extLst>
+          </p:cNvPr>
+          <p:cNvSpPr>
+            <a:spLocks noGrp="1" noRot="1" noChangeAspect="1" noMove="1" noResize="1" noEditPoints="1" noAdjustHandles="1" noChangeArrowheads="1" noChangeShapeType="1" noTextEdit="1"/>
+          </p:cNvSpPr>
+          <p:nvPr>
+            <p:extLst>
+              <p:ext uri="{386F3935-93C4-4BCD-93E2-E3B085C9AB24}">
+                <p16:designElem xmlns:p16="http://schemas.microsoft.com/office/powerpoint/2015/main" val="1"/>
+              </p:ext>
+            </p:extLst>
+          </p:nvPr>
+        </p:nvSpPr>
+        <p:spPr>
+          <a:xfrm>
+            <a:off x="0" y="0"/>
+            <a:ext cx="12192000" cy="6858000"/>
+          </a:xfrm>
+          <a:prstGeom prst="rect">
+            <a:avLst/>
+          </a:prstGeom>
+          <a:ln>
+            <a:noFill/>
+          </a:ln>
+        </p:spPr>
+        <p:style>
+          <a:lnRef idx="2">
+            <a:schemeClr val="accent1">
+              <a:shade val="50000"/>
+            </a:schemeClr>
+          </a:lnRef>
+          <a:fillRef idx="1">
+            <a:schemeClr val="accent1"/>
+          </a:fillRef>
+          <a:effectRef idx="0">
+            <a:schemeClr val="accent1"/>
+          </a:effectRef>
+          <a:fontRef idx="minor">
+            <a:schemeClr val="lt1"/>
+          </a:fontRef>
+        </p:style>
+        <p:txBody>
+          <a:bodyPr rtlCol="0" anchor="ctr"/>
+          <a:lstStyle/>
+          <a:p>
+            <a:pPr algn="ctr"/>
+            <a:endParaRPr lang="en-US"/>
+          </a:p>
+        </p:txBody>
+      </p:sp>
+      <p:sp>
+        <p:nvSpPr>
+          <p:cNvPr id="2" name="Title 1">
+            <a:extLst>
+              <a:ext uri="{FF2B5EF4-FFF2-40B4-BE49-F238E27FC236}">
+                <a16:creationId xmlns:a16="http://schemas.microsoft.com/office/drawing/2014/main" id="{E1E19F28-5ADA-0496-99ED-1F0705F1F597}"/>
+              </a:ext>
+            </a:extLst>
+          </p:cNvPr>
+          <p:cNvSpPr>
+            <a:spLocks noGrp="1"/>
+          </p:cNvSpPr>
+          <p:nvPr>
+            <p:ph type="title"/>
+          </p:nvPr>
+        </p:nvSpPr>
+        <p:spPr>
+          <a:xfrm>
+            <a:off x="841248" y="334644"/>
+            <a:ext cx="10509504" cy="1076914"/>
+          </a:xfrm>
+        </p:spPr>
+        <p:txBody>
+          <a:bodyPr anchor="ctr">
+            <a:normAutofit/>
+          </a:bodyPr>
+          <a:lstStyle/>
+          <a:p>
+            <a:r>
+              <a:rPr lang="en-US">
+                <a:ea typeface="+mj-lt"/>
+                <a:cs typeface="+mj-lt"/>
+              </a:rPr>
+              <a:t>Advanced Requirement 3:</a:t>
+            </a:r>
+            <a:endParaRPr lang="en-US" dirty="0"/>
+          </a:p>
+        </p:txBody>
+      </p:sp>
+      <p:sp>
+        <p:nvSpPr>
+          <p:cNvPr id="15" name="Rectangle 14">
+            <a:extLst>
+              <a:ext uri="{FF2B5EF4-FFF2-40B4-BE49-F238E27FC236}">
+                <a16:creationId xmlns:a16="http://schemas.microsoft.com/office/drawing/2014/main" id="{F7117410-A2A4-4085-9ADC-46744551DBDE}"/>
+              </a:ext>
+              <a:ext uri="{C183D7F6-B498-43B3-948B-1728B52AA6E4}">
+                <adec:decorative xmlns:adec="http://schemas.microsoft.com/office/drawing/2017/decorative" val="1"/>
+              </a:ext>
+            </a:extLst>
+          </p:cNvPr>
+          <p:cNvSpPr>
+            <a:spLocks noGrp="1" noRot="1" noChangeAspect="1" noMove="1" noResize="1" noEditPoints="1" noAdjustHandles="1" noChangeArrowheads="1" noChangeShapeType="1" noTextEdit="1"/>
+          </p:cNvSpPr>
+          <p:nvPr>
+            <p:extLst>
+              <p:ext uri="{386F3935-93C4-4BCD-93E2-E3B085C9AB24}">
+                <p16:designElem xmlns:p16="http://schemas.microsoft.com/office/powerpoint/2015/main" val="1"/>
+              </p:ext>
+            </p:extLst>
+          </p:nvPr>
+        </p:nvSpPr>
+        <p:spPr>
+          <a:xfrm>
+            <a:off x="842772" y="0"/>
+            <a:ext cx="10506456" cy="191386"/>
+          </a:xfrm>
+          <a:prstGeom prst="rect">
+            <a:avLst/>
+          </a:prstGeom>
+          <a:solidFill>
+            <a:schemeClr val="accent1"/>
+          </a:solidFill>
+          <a:ln>
+            <a:noFill/>
+          </a:ln>
+        </p:spPr>
+        <p:style>
+          <a:lnRef idx="2">
+            <a:schemeClr val="accent1">
+              <a:shade val="50000"/>
+            </a:schemeClr>
+          </a:lnRef>
+          <a:fillRef idx="1">
+            <a:schemeClr val="accent1"/>
+          </a:fillRef>
+          <a:effectRef idx="0">
+            <a:schemeClr val="accent1"/>
+          </a:effectRef>
+          <a:fontRef idx="minor">
+            <a:schemeClr val="lt1"/>
+          </a:fontRef>
+        </p:style>
+        <p:txBody>
+          <a:bodyPr rtlCol="0" anchor="ctr"/>
+          <a:lstStyle/>
+          <a:p>
+            <a:pPr marL="0" marR="0" lvl="0" indent="0" algn="ctr" defTabSz="914400" rtl="0" eaLnBrk="1" fontAlgn="auto" latinLnBrk="0" hangingPunct="1">
+              <a:lnSpc>
+                <a:spcPct val="100000"/>
+              </a:lnSpc>
+              <a:spcBef>
+                <a:spcPts val="0"/>
+              </a:spcBef>
+              <a:spcAft>
+                <a:spcPts val="0"/>
+              </a:spcAft>
+              <a:buClrTx/>
+              <a:buSzTx/>
+              <a:buFontTx/>
+              <a:buNone/>
+              <a:tabLst/>
+              <a:defRPr/>
+            </a:pPr>
+            <a:endParaRPr kumimoji="0" lang="en-US" sz="1800" b="0" i="0" u="none" strike="noStrike" kern="1200" cap="none" spc="0" normalizeH="0" baseline="0" noProof="0">
+              <a:ln>
+                <a:noFill/>
+              </a:ln>
+              <a:solidFill>
+                <a:prstClr val="white"/>
+              </a:solidFill>
+              <a:effectLst/>
+              <a:uLnTx/>
+              <a:uFillTx/>
+              <a:latin typeface="Calibri" panose="020F0502020204030204"/>
+              <a:ea typeface="+mn-ea"/>
+              <a:cs typeface="+mn-cs"/>
+            </a:endParaRPr>
+          </a:p>
+        </p:txBody>
+      </p:sp>
+      <p:sp>
+        <p:nvSpPr>
+          <p:cNvPr id="17" name="Rectangle 16">
+            <a:extLst>
+              <a:ext uri="{FF2B5EF4-FFF2-40B4-BE49-F238E27FC236}">
+                <a16:creationId xmlns:a16="http://schemas.microsoft.com/office/drawing/2014/main" id="{99F74EB5-E547-4FB4-95F5-BCC788F3C4A0}"/>
+              </a:ext>
+              <a:ext uri="{C183D7F6-B498-43B3-948B-1728B52AA6E4}">
+                <adec:decorative xmlns:adec="http://schemas.microsoft.com/office/drawing/2017/decorative" val="1"/>
+              </a:ext>
+            </a:extLst>
+          </p:cNvPr>
+          <p:cNvSpPr>
+            <a:spLocks noGrp="1" noRot="1" noChangeAspect="1" noMove="1" noResize="1" noEditPoints="1" noAdjustHandles="1" noChangeArrowheads="1" noChangeShapeType="1" noTextEdit="1"/>
+          </p:cNvSpPr>
+          <p:nvPr>
+            <p:extLst>
+              <p:ext uri="{386F3935-93C4-4BCD-93E2-E3B085C9AB24}">
+                <p16:designElem xmlns:p16="http://schemas.microsoft.com/office/powerpoint/2015/main" val="1"/>
+              </p:ext>
+            </p:extLst>
+          </p:nvPr>
+        </p:nvSpPr>
+        <p:spPr>
+          <a:xfrm>
+            <a:off x="841248" y="1512994"/>
+            <a:ext cx="10506456" cy="18288"/>
+          </a:xfrm>
+          <a:prstGeom prst="rect">
+            <a:avLst/>
+          </a:prstGeom>
+          <a:solidFill>
+            <a:schemeClr val="tx2">
+              <a:lumMod val="25000"/>
+              <a:lumOff val="75000"/>
+            </a:schemeClr>
+          </a:solidFill>
+          <a:ln w="3175">
+            <a:noFill/>
+          </a:ln>
+          <a:effectLst/>
+        </p:spPr>
+        <p:style>
+          <a:lnRef idx="2">
+            <a:schemeClr val="accent1">
+              <a:shade val="50000"/>
+            </a:schemeClr>
+          </a:lnRef>
+          <a:fillRef idx="1">
+            <a:schemeClr val="accent1"/>
+          </a:fillRef>
+          <a:effectRef idx="0">
+            <a:schemeClr val="accent1"/>
+          </a:effectRef>
+          <a:fontRef idx="minor">
+            <a:schemeClr val="lt1"/>
+          </a:fontRef>
+        </p:style>
+        <p:txBody>
+          <a:bodyPr rtlCol="0" anchor="ctr"/>
+          <a:lstStyle/>
+          <a:p>
+            <a:pPr marL="0" marR="0" lvl="0" indent="0" algn="ctr" defTabSz="914400" rtl="0" eaLnBrk="1" fontAlgn="auto" latinLnBrk="0" hangingPunct="1">
+              <a:lnSpc>
+                <a:spcPct val="100000"/>
+              </a:lnSpc>
+              <a:spcBef>
+                <a:spcPts val="0"/>
+              </a:spcBef>
+              <a:spcAft>
+                <a:spcPts val="0"/>
+              </a:spcAft>
+              <a:buClrTx/>
+              <a:buSzTx/>
+              <a:buFontTx/>
+              <a:buNone/>
+              <a:tabLst/>
+              <a:defRPr/>
+            </a:pPr>
+            <a:endParaRPr kumimoji="0" lang="en-US" sz="1800" b="0" i="0" u="none" strike="noStrike" kern="1200" cap="none" spc="0" normalizeH="0" baseline="0" noProof="0">
+              <a:ln>
+                <a:noFill/>
+              </a:ln>
+              <a:solidFill>
+                <a:prstClr val="white"/>
+              </a:solidFill>
+              <a:effectLst/>
+              <a:uLnTx/>
+              <a:uFillTx/>
+              <a:latin typeface="Calibri" panose="020F0502020204030204"/>
+              <a:ea typeface="+mn-ea"/>
+              <a:cs typeface="+mn-cs"/>
+            </a:endParaRPr>
+          </a:p>
+        </p:txBody>
+      </p:sp>
+      <p:pic>
+        <p:nvPicPr>
+          <p:cNvPr id="4" name="Content Placeholder 3">
+            <a:extLst>
+              <a:ext uri="{FF2B5EF4-FFF2-40B4-BE49-F238E27FC236}">
+                <a16:creationId xmlns:a16="http://schemas.microsoft.com/office/drawing/2014/main" id="{6A79815B-A407-A440-2FE7-9887C5482B7F}"/>
+              </a:ext>
+            </a:extLst>
+          </p:cNvPr>
+          <p:cNvPicPr>
+            <a:picLocks noChangeAspect="1"/>
+          </p:cNvPicPr>
+          <p:nvPr/>
+        </p:nvPicPr>
+        <p:blipFill>
+          <a:blip r:embed="rId2"/>
+          <a:stretch>
+            <a:fillRect/>
+          </a:stretch>
+        </p:blipFill>
+        <p:spPr>
+          <a:xfrm>
+            <a:off x="2501535" y="1737360"/>
+            <a:ext cx="2182785" cy="247600"/>
+          </a:xfrm>
+          <a:prstGeom prst="rect">
+            <a:avLst/>
+          </a:prstGeom>
+        </p:spPr>
+      </p:pic>
+      <p:pic>
+        <p:nvPicPr>
+          <p:cNvPr id="5" name="Picture 4" descr="A blue and white text&#10;&#10;Description automatically generated">
+            <a:extLst>
+              <a:ext uri="{FF2B5EF4-FFF2-40B4-BE49-F238E27FC236}">
+                <a16:creationId xmlns:a16="http://schemas.microsoft.com/office/drawing/2014/main" id="{123E32CE-616C-8B05-E6F6-9A6B97DBF6BC}"/>
+              </a:ext>
+            </a:extLst>
+          </p:cNvPr>
+          <p:cNvPicPr>
+            <a:picLocks noChangeAspect="1"/>
+          </p:cNvPicPr>
+          <p:nvPr/>
+        </p:nvPicPr>
+        <p:blipFill>
+          <a:blip r:embed="rId3"/>
+          <a:stretch>
+            <a:fillRect/>
+          </a:stretch>
+        </p:blipFill>
+        <p:spPr>
+          <a:xfrm>
+            <a:off x="2500974" y="2028616"/>
+            <a:ext cx="7180907" cy="676772"/>
+          </a:xfrm>
+          <a:prstGeom prst="rect">
+            <a:avLst/>
+          </a:prstGeom>
+        </p:spPr>
+      </p:pic>
+      <p:pic>
+        <p:nvPicPr>
+          <p:cNvPr id="6" name="Picture 5" descr="A screenshot of a computer&#10;&#10;Description automatically generated">
+            <a:extLst>
+              <a:ext uri="{FF2B5EF4-FFF2-40B4-BE49-F238E27FC236}">
+                <a16:creationId xmlns:a16="http://schemas.microsoft.com/office/drawing/2014/main" id="{6D29AA0A-978B-B259-CC2C-1FAECB1770AB}"/>
+              </a:ext>
+            </a:extLst>
+          </p:cNvPr>
+          <p:cNvPicPr>
+            <a:picLocks noChangeAspect="1"/>
+          </p:cNvPicPr>
+          <p:nvPr/>
+        </p:nvPicPr>
+        <p:blipFill>
+          <a:blip r:embed="rId4"/>
+          <a:stretch>
+            <a:fillRect/>
+          </a:stretch>
+        </p:blipFill>
+        <p:spPr>
+          <a:xfrm>
+            <a:off x="2504118" y="2752875"/>
+            <a:ext cx="6841566" cy="521262"/>
+          </a:xfrm>
+          <a:prstGeom prst="rect">
+            <a:avLst/>
+          </a:prstGeom>
+        </p:spPr>
+      </p:pic>
+      <p:pic>
+        <p:nvPicPr>
+          <p:cNvPr id="7" name="Picture 6" descr="A group of symbols on a dark background&#10;&#10;Description automatically generated">
+            <a:extLst>
+              <a:ext uri="{FF2B5EF4-FFF2-40B4-BE49-F238E27FC236}">
+                <a16:creationId xmlns:a16="http://schemas.microsoft.com/office/drawing/2014/main" id="{BBFBA666-1138-C042-ED4C-905FA5944408}"/>
+              </a:ext>
+            </a:extLst>
+          </p:cNvPr>
+          <p:cNvPicPr>
+            <a:picLocks noChangeAspect="1"/>
+          </p:cNvPicPr>
+          <p:nvPr/>
+        </p:nvPicPr>
+        <p:blipFill>
+          <a:blip r:embed="rId5"/>
+          <a:stretch>
+            <a:fillRect/>
+          </a:stretch>
+        </p:blipFill>
+        <p:spPr>
+          <a:xfrm>
+            <a:off x="2503511" y="3321832"/>
+            <a:ext cx="6995685" cy="363320"/>
+          </a:xfrm>
+          <a:prstGeom prst="rect">
+            <a:avLst/>
+          </a:prstGeom>
+        </p:spPr>
+      </p:pic>
+      <p:pic>
+        <p:nvPicPr>
+          <p:cNvPr id="8" name="Picture 7" descr="A screenshot of a computer program&#10;&#10;Description automatically generated">
+            <a:extLst>
+              <a:ext uri="{FF2B5EF4-FFF2-40B4-BE49-F238E27FC236}">
+                <a16:creationId xmlns:a16="http://schemas.microsoft.com/office/drawing/2014/main" id="{F50CFE41-8541-E2B1-7896-26A2C6D48B0E}"/>
+              </a:ext>
+            </a:extLst>
+          </p:cNvPr>
+          <p:cNvPicPr>
+            <a:picLocks noChangeAspect="1"/>
+          </p:cNvPicPr>
+          <p:nvPr/>
+        </p:nvPicPr>
+        <p:blipFill>
+          <a:blip r:embed="rId6"/>
+          <a:stretch>
+            <a:fillRect/>
+          </a:stretch>
+        </p:blipFill>
+        <p:spPr>
+          <a:xfrm>
+            <a:off x="2533310" y="3736670"/>
+            <a:ext cx="7116792" cy="2536114"/>
+          </a:xfrm>
+          <a:prstGeom prst="rect">
+            <a:avLst/>
+          </a:prstGeom>
+        </p:spPr>
+      </p:pic>
+    </p:spTree>
+    <p:extLst>
+      <p:ext uri="{BB962C8B-B14F-4D97-AF65-F5344CB8AC3E}">
+        <p14:creationId xmlns:p14="http://schemas.microsoft.com/office/powerpoint/2010/main" val="3513932077"/>
       </p:ext>
     </p:extLst>
   </p:cSld>
